--- a/documentation/rlenv_overview.pptx
+++ b/documentation/rlenv_overview.pptx
@@ -7,6 +7,7 @@
   <p:sldIdLst>
     <p:sldId id="257" r:id="rId2"/>
     <p:sldId id="258" r:id="rId3"/>
+    <p:sldId id="259" r:id="rId4"/>
   </p:sldIdLst>
   <p:sldSz cx="18000663" cy="10799763"/>
   <p:notesSz cx="6858000" cy="9144000"/>
@@ -105,6 +106,11 @@
       </a:defRPr>
     </a:lvl9pPr>
   </p:defaultTextStyle>
+  <p:extLst>
+    <p:ext uri="{EFAFB233-063F-42B5-8137-9DF3F51BA10A}">
+      <p15:sldGuideLst xmlns:p15="http://schemas.microsoft.com/office/powerpoint/2012/main"/>
+    </p:ext>
+  </p:extLst>
 </p:presentation>
 </file>
 
@@ -239,7 +245,7 @@
           <a:p>
             <a:fld id="{0E550D96-E6FF-3F47-ABB7-2D1ACEBDD4EE}" type="datetimeFigureOut">
               <a:rPr lang="en-DE" smtClean="0"/>
-              <a:t>25.06.22</a:t>
+              <a:t>28.06.22</a:t>
             </a:fld>
             <a:endParaRPr lang="en-DE"/>
           </a:p>
@@ -409,7 +415,7 @@
           <a:p>
             <a:fld id="{0E550D96-E6FF-3F47-ABB7-2D1ACEBDD4EE}" type="datetimeFigureOut">
               <a:rPr lang="en-DE" smtClean="0"/>
-              <a:t>25.06.22</a:t>
+              <a:t>28.06.22</a:t>
             </a:fld>
             <a:endParaRPr lang="en-DE"/>
           </a:p>
@@ -589,7 +595,7 @@
           <a:p>
             <a:fld id="{0E550D96-E6FF-3F47-ABB7-2D1ACEBDD4EE}" type="datetimeFigureOut">
               <a:rPr lang="en-DE" smtClean="0"/>
-              <a:t>25.06.22</a:t>
+              <a:t>28.06.22</a:t>
             </a:fld>
             <a:endParaRPr lang="en-DE"/>
           </a:p>
@@ -759,7 +765,7 @@
           <a:p>
             <a:fld id="{0E550D96-E6FF-3F47-ABB7-2D1ACEBDD4EE}" type="datetimeFigureOut">
               <a:rPr lang="en-DE" smtClean="0"/>
-              <a:t>25.06.22</a:t>
+              <a:t>28.06.22</a:t>
             </a:fld>
             <a:endParaRPr lang="en-DE"/>
           </a:p>
@@ -1005,7 +1011,7 @@
           <a:p>
             <a:fld id="{0E550D96-E6FF-3F47-ABB7-2D1ACEBDD4EE}" type="datetimeFigureOut">
               <a:rPr lang="en-DE" smtClean="0"/>
-              <a:t>25.06.22</a:t>
+              <a:t>28.06.22</a:t>
             </a:fld>
             <a:endParaRPr lang="en-DE"/>
           </a:p>
@@ -1237,7 +1243,7 @@
           <a:p>
             <a:fld id="{0E550D96-E6FF-3F47-ABB7-2D1ACEBDD4EE}" type="datetimeFigureOut">
               <a:rPr lang="en-DE" smtClean="0"/>
-              <a:t>25.06.22</a:t>
+              <a:t>28.06.22</a:t>
             </a:fld>
             <a:endParaRPr lang="en-DE"/>
           </a:p>
@@ -1604,7 +1610,7 @@
           <a:p>
             <a:fld id="{0E550D96-E6FF-3F47-ABB7-2D1ACEBDD4EE}" type="datetimeFigureOut">
               <a:rPr lang="en-DE" smtClean="0"/>
-              <a:t>25.06.22</a:t>
+              <a:t>28.06.22</a:t>
             </a:fld>
             <a:endParaRPr lang="en-DE"/>
           </a:p>
@@ -1722,7 +1728,7 @@
           <a:p>
             <a:fld id="{0E550D96-E6FF-3F47-ABB7-2D1ACEBDD4EE}" type="datetimeFigureOut">
               <a:rPr lang="en-DE" smtClean="0"/>
-              <a:t>25.06.22</a:t>
+              <a:t>28.06.22</a:t>
             </a:fld>
             <a:endParaRPr lang="en-DE"/>
           </a:p>
@@ -1817,7 +1823,7 @@
           <a:p>
             <a:fld id="{0E550D96-E6FF-3F47-ABB7-2D1ACEBDD4EE}" type="datetimeFigureOut">
               <a:rPr lang="en-DE" smtClean="0"/>
-              <a:t>25.06.22</a:t>
+              <a:t>28.06.22</a:t>
             </a:fld>
             <a:endParaRPr lang="en-DE"/>
           </a:p>
@@ -2094,7 +2100,7 @@
           <a:p>
             <a:fld id="{0E550D96-E6FF-3F47-ABB7-2D1ACEBDD4EE}" type="datetimeFigureOut">
               <a:rPr lang="en-DE" smtClean="0"/>
-              <a:t>25.06.22</a:t>
+              <a:t>28.06.22</a:t>
             </a:fld>
             <a:endParaRPr lang="en-DE"/>
           </a:p>
@@ -2351,7 +2357,7 @@
           <a:p>
             <a:fld id="{0E550D96-E6FF-3F47-ABB7-2D1ACEBDD4EE}" type="datetimeFigureOut">
               <a:rPr lang="en-DE" smtClean="0"/>
-              <a:t>25.06.22</a:t>
+              <a:t>28.06.22</a:t>
             </a:fld>
             <a:endParaRPr lang="en-DE"/>
           </a:p>
@@ -2564,7 +2570,7 @@
           <a:p>
             <a:fld id="{0E550D96-E6FF-3F47-ABB7-2D1ACEBDD4EE}" type="datetimeFigureOut">
               <a:rPr lang="en-DE" smtClean="0"/>
-              <a:t>25.06.22</a:t>
+              <a:t>28.06.22</a:t>
             </a:fld>
             <a:endParaRPr lang="en-DE"/>
           </a:p>
@@ -5512,51 +5518,6 @@
           </a:p>
         </p:txBody>
       </p:sp>
-      <p:cxnSp>
-        <p:nvCxnSpPr>
-          <p:cNvPr id="85" name="Elbow Connector 84">
-            <a:extLst>
-              <a:ext uri="{FF2B5EF4-FFF2-40B4-BE49-F238E27FC236}">
-                <a16:creationId xmlns:a16="http://schemas.microsoft.com/office/drawing/2014/main" id="{80A968BE-8278-9D41-B497-2A3C8B9E6ACC}"/>
-              </a:ext>
-            </a:extLst>
-          </p:cNvPr>
-          <p:cNvCxnSpPr>
-            <a:stCxn id="34" idx="1"/>
-            <a:endCxn id="83" idx="2"/>
-          </p:cNvCxnSpPr>
-          <p:nvPr/>
-        </p:nvCxnSpPr>
-        <p:spPr>
-          <a:xfrm rot="10800000" flipH="1" flipV="1">
-            <a:off x="1239749" y="5535123"/>
-            <a:ext cx="7776364" cy="4347297"/>
-          </a:xfrm>
-          <a:prstGeom prst="bentConnector4">
-            <a:avLst>
-              <a:gd name="adj1" fmla="val -2940"/>
-              <a:gd name="adj2" fmla="val 105258"/>
-            </a:avLst>
-          </a:prstGeom>
-          <a:ln>
-            <a:tailEnd type="triangle"/>
-          </a:ln>
-        </p:spPr>
-        <p:style>
-          <a:lnRef idx="1">
-            <a:schemeClr val="accent1"/>
-          </a:lnRef>
-          <a:fillRef idx="0">
-            <a:schemeClr val="accent1"/>
-          </a:fillRef>
-          <a:effectRef idx="0">
-            <a:schemeClr val="accent1"/>
-          </a:effectRef>
-          <a:fontRef idx="minor">
-            <a:schemeClr val="tx1"/>
-          </a:fontRef>
-        </p:style>
-      </p:cxnSp>
       <p:sp>
         <p:nvSpPr>
           <p:cNvPr id="100" name="Rounded Rectangle 99">
@@ -5841,10 +5802,1592 @@
           </a:fontRef>
         </p:style>
       </p:cxnSp>
+      <p:cxnSp>
+        <p:nvCxnSpPr>
+          <p:cNvPr id="3" name="Straight Arrow Connector 2">
+            <a:extLst>
+              <a:ext uri="{FF2B5EF4-FFF2-40B4-BE49-F238E27FC236}">
+                <a16:creationId xmlns:a16="http://schemas.microsoft.com/office/drawing/2014/main" id="{D5B8EDD2-0783-A440-8E70-06B5E1AD15E1}"/>
+              </a:ext>
+            </a:extLst>
+          </p:cNvPr>
+          <p:cNvCxnSpPr>
+            <a:endCxn id="83" idx="3"/>
+          </p:cNvCxnSpPr>
+          <p:nvPr/>
+        </p:nvCxnSpPr>
+        <p:spPr>
+          <a:xfrm flipH="1">
+            <a:off x="10740687" y="6018921"/>
+            <a:ext cx="250774" cy="3447331"/>
+          </a:xfrm>
+          <a:prstGeom prst="straightConnector1">
+            <a:avLst/>
+          </a:prstGeom>
+          <a:ln>
+            <a:tailEnd type="triangle"/>
+          </a:ln>
+        </p:spPr>
+        <p:style>
+          <a:lnRef idx="1">
+            <a:schemeClr val="accent1"/>
+          </a:lnRef>
+          <a:fillRef idx="0">
+            <a:schemeClr val="accent1"/>
+          </a:fillRef>
+          <a:effectRef idx="0">
+            <a:schemeClr val="accent1"/>
+          </a:effectRef>
+          <a:fontRef idx="minor">
+            <a:schemeClr val="tx1"/>
+          </a:fontRef>
+        </p:style>
+      </p:cxnSp>
+      <p:sp>
+        <p:nvSpPr>
+          <p:cNvPr id="4" name="TextBox 3">
+            <a:extLst>
+              <a:ext uri="{FF2B5EF4-FFF2-40B4-BE49-F238E27FC236}">
+                <a16:creationId xmlns:a16="http://schemas.microsoft.com/office/drawing/2014/main" id="{148BD80A-EEF6-B648-8D2F-81B9944011DE}"/>
+              </a:ext>
+            </a:extLst>
+          </p:cNvPr>
+          <p:cNvSpPr txBox="1"/>
+          <p:nvPr/>
+        </p:nvSpPr>
+        <p:spPr>
+          <a:xfrm>
+            <a:off x="8968767" y="821094"/>
+            <a:ext cx="2470564" cy="369332"/>
+          </a:xfrm>
+          <a:prstGeom prst="rect">
+            <a:avLst/>
+          </a:prstGeom>
+          <a:noFill/>
+        </p:spPr>
+        <p:txBody>
+          <a:bodyPr wrap="square" rtlCol="0">
+            <a:spAutoFit/>
+          </a:bodyPr>
+          <a:lstStyle/>
+          <a:p>
+            <a:r>
+              <a:rPr lang="en-DE" dirty="0"/>
+              <a:t>feedbackschleife</a:t>
+            </a:r>
+          </a:p>
+        </p:txBody>
+      </p:sp>
     </p:spTree>
     <p:extLst>
       <p:ext uri="{BB962C8B-B14F-4D97-AF65-F5344CB8AC3E}">
         <p14:creationId xmlns:p14="http://schemas.microsoft.com/office/powerpoint/2010/main" val="3633766095"/>
+      </p:ext>
+    </p:extLst>
+  </p:cSld>
+  <p:clrMapOvr>
+    <a:masterClrMapping/>
+  </p:clrMapOvr>
+</p:sld>
+</file>
+
+<file path=ppt/slides/slide3.xml><?xml version="1.0" encoding="utf-8"?>
+<p:sld xmlns:a="http://schemas.openxmlformats.org/drawingml/2006/main" xmlns:r="http://schemas.openxmlformats.org/officeDocument/2006/relationships" xmlns:p="http://schemas.openxmlformats.org/presentationml/2006/main">
+  <p:cSld>
+    <p:spTree>
+      <p:nvGrpSpPr>
+        <p:cNvPr id="1" name=""/>
+        <p:cNvGrpSpPr/>
+        <p:nvPr/>
+      </p:nvGrpSpPr>
+      <p:grpSpPr>
+        <a:xfrm>
+          <a:off x="0" y="0"/>
+          <a:ext cx="0" cy="0"/>
+          <a:chOff x="0" y="0"/>
+          <a:chExt cx="0" cy="0"/>
+        </a:xfrm>
+      </p:grpSpPr>
+      <p:sp>
+        <p:nvSpPr>
+          <p:cNvPr id="5" name="Rounded Rectangle 4">
+            <a:extLst>
+              <a:ext uri="{FF2B5EF4-FFF2-40B4-BE49-F238E27FC236}">
+                <a16:creationId xmlns:a16="http://schemas.microsoft.com/office/drawing/2014/main" id="{29C8D279-94EF-674C-840D-6CFB82024AFB}"/>
+              </a:ext>
+            </a:extLst>
+          </p:cNvPr>
+          <p:cNvSpPr/>
+          <p:nvPr/>
+        </p:nvSpPr>
+        <p:spPr>
+          <a:xfrm>
+            <a:off x="7275758" y="4155291"/>
+            <a:ext cx="3449148" cy="832338"/>
+          </a:xfrm>
+          <a:prstGeom prst="roundRect">
+            <a:avLst/>
+          </a:prstGeom>
+          <a:solidFill>
+            <a:schemeClr val="accent1">
+              <a:lumMod val="60000"/>
+              <a:lumOff val="40000"/>
+            </a:schemeClr>
+          </a:solidFill>
+        </p:spPr>
+        <p:style>
+          <a:lnRef idx="2">
+            <a:schemeClr val="accent1">
+              <a:shade val="50000"/>
+            </a:schemeClr>
+          </a:lnRef>
+          <a:fillRef idx="1">
+            <a:schemeClr val="accent1"/>
+          </a:fillRef>
+          <a:effectRef idx="0">
+            <a:schemeClr val="accent1"/>
+          </a:effectRef>
+          <a:fontRef idx="minor">
+            <a:schemeClr val="lt1"/>
+          </a:fontRef>
+        </p:style>
+        <p:txBody>
+          <a:bodyPr rtlCol="0" anchor="ctr"/>
+          <a:lstStyle/>
+          <a:p>
+            <a:pPr algn="ctr"/>
+            <a:r>
+              <a:rPr lang="en-DE" dirty="0"/>
+              <a:t>TradingSimulator</a:t>
+            </a:r>
+          </a:p>
+        </p:txBody>
+      </p:sp>
+      <p:sp>
+        <p:nvSpPr>
+          <p:cNvPr id="31" name="Rounded Rectangle 30">
+            <a:extLst>
+              <a:ext uri="{FF2B5EF4-FFF2-40B4-BE49-F238E27FC236}">
+                <a16:creationId xmlns:a16="http://schemas.microsoft.com/office/drawing/2014/main" id="{980A105C-2778-7D4C-9714-EB3C1F0B2DE8}"/>
+              </a:ext>
+            </a:extLst>
+          </p:cNvPr>
+          <p:cNvSpPr/>
+          <p:nvPr/>
+        </p:nvSpPr>
+        <p:spPr>
+          <a:xfrm>
+            <a:off x="1258612" y="6796141"/>
+            <a:ext cx="3449148" cy="832338"/>
+          </a:xfrm>
+          <a:prstGeom prst="roundRect">
+            <a:avLst/>
+          </a:prstGeom>
+          <a:solidFill>
+            <a:schemeClr val="bg2">
+              <a:lumMod val="90000"/>
+            </a:schemeClr>
+          </a:solidFill>
+        </p:spPr>
+        <p:style>
+          <a:lnRef idx="2">
+            <a:schemeClr val="accent1">
+              <a:shade val="50000"/>
+            </a:schemeClr>
+          </a:lnRef>
+          <a:fillRef idx="1">
+            <a:schemeClr val="accent1"/>
+          </a:fillRef>
+          <a:effectRef idx="0">
+            <a:schemeClr val="accent1"/>
+          </a:effectRef>
+          <a:fontRef idx="minor">
+            <a:schemeClr val="lt1"/>
+          </a:fontRef>
+        </p:style>
+        <p:txBody>
+          <a:bodyPr rtlCol="0" anchor="ctr"/>
+          <a:lstStyle/>
+          <a:p>
+            <a:pPr algn="ctr"/>
+            <a:r>
+              <a:rPr lang="en-DE" dirty="0"/>
+              <a:t>Episode</a:t>
+            </a:r>
+          </a:p>
+        </p:txBody>
+      </p:sp>
+      <p:sp>
+        <p:nvSpPr>
+          <p:cNvPr id="32" name="Rounded Rectangle 31">
+            <a:extLst>
+              <a:ext uri="{FF2B5EF4-FFF2-40B4-BE49-F238E27FC236}">
+                <a16:creationId xmlns:a16="http://schemas.microsoft.com/office/drawing/2014/main" id="{52ACF502-84A3-DF46-BBF9-6998A119B49A}"/>
+              </a:ext>
+            </a:extLst>
+          </p:cNvPr>
+          <p:cNvSpPr/>
+          <p:nvPr/>
+        </p:nvSpPr>
+        <p:spPr>
+          <a:xfrm>
+            <a:off x="13311766" y="8677106"/>
+            <a:ext cx="3449148" cy="832338"/>
+          </a:xfrm>
+          <a:prstGeom prst="roundRect">
+            <a:avLst/>
+          </a:prstGeom>
+          <a:solidFill>
+            <a:schemeClr val="accent1">
+              <a:lumMod val="60000"/>
+              <a:lumOff val="40000"/>
+            </a:schemeClr>
+          </a:solidFill>
+        </p:spPr>
+        <p:style>
+          <a:lnRef idx="2">
+            <a:schemeClr val="accent1">
+              <a:shade val="50000"/>
+            </a:schemeClr>
+          </a:lnRef>
+          <a:fillRef idx="1">
+            <a:schemeClr val="accent1"/>
+          </a:fillRef>
+          <a:effectRef idx="0">
+            <a:schemeClr val="accent1"/>
+          </a:effectRef>
+          <a:fontRef idx="minor">
+            <a:schemeClr val="lt1"/>
+          </a:fontRef>
+        </p:style>
+        <p:txBody>
+          <a:bodyPr rtlCol="0" anchor="ctr"/>
+          <a:lstStyle/>
+          <a:p>
+            <a:pPr algn="ctr"/>
+            <a:r>
+              <a:rPr lang="en-DE" dirty="0"/>
+              <a:t>RLAgent(BaseAgent)</a:t>
+            </a:r>
+          </a:p>
+        </p:txBody>
+      </p:sp>
+      <p:sp>
+        <p:nvSpPr>
+          <p:cNvPr id="33" name="Rounded Rectangle 32">
+            <a:extLst>
+              <a:ext uri="{FF2B5EF4-FFF2-40B4-BE49-F238E27FC236}">
+                <a16:creationId xmlns:a16="http://schemas.microsoft.com/office/drawing/2014/main" id="{2C7D5540-72FE-994B-BA66-A49F1775E536}"/>
+              </a:ext>
+            </a:extLst>
+          </p:cNvPr>
+          <p:cNvSpPr/>
+          <p:nvPr/>
+        </p:nvSpPr>
+        <p:spPr>
+          <a:xfrm>
+            <a:off x="7244193" y="6827215"/>
+            <a:ext cx="3449148" cy="832338"/>
+          </a:xfrm>
+          <a:prstGeom prst="roundRect">
+            <a:avLst/>
+          </a:prstGeom>
+          <a:solidFill>
+            <a:schemeClr val="accent1">
+              <a:lumMod val="60000"/>
+              <a:lumOff val="40000"/>
+            </a:schemeClr>
+          </a:solidFill>
+        </p:spPr>
+        <p:style>
+          <a:lnRef idx="2">
+            <a:schemeClr val="accent1">
+              <a:shade val="50000"/>
+            </a:schemeClr>
+          </a:lnRef>
+          <a:fillRef idx="1">
+            <a:schemeClr val="accent1"/>
+          </a:fillRef>
+          <a:effectRef idx="0">
+            <a:schemeClr val="accent1"/>
+          </a:effectRef>
+          <a:fontRef idx="minor">
+            <a:schemeClr val="lt1"/>
+          </a:fontRef>
+        </p:style>
+        <p:txBody>
+          <a:bodyPr rtlCol="0" anchor="ctr"/>
+          <a:lstStyle/>
+          <a:p>
+            <a:pPr algn="ctr"/>
+            <a:r>
+              <a:rPr lang="en-DE" dirty="0"/>
+              <a:t>ReplayData</a:t>
+            </a:r>
+          </a:p>
+        </p:txBody>
+      </p:sp>
+      <p:sp>
+        <p:nvSpPr>
+          <p:cNvPr id="34" name="Rounded Rectangle 33">
+            <a:extLst>
+              <a:ext uri="{FF2B5EF4-FFF2-40B4-BE49-F238E27FC236}">
+                <a16:creationId xmlns:a16="http://schemas.microsoft.com/office/drawing/2014/main" id="{18DD058B-0AFC-4640-81AD-283EBFBED448}"/>
+              </a:ext>
+            </a:extLst>
+          </p:cNvPr>
+          <p:cNvSpPr/>
+          <p:nvPr/>
+        </p:nvSpPr>
+        <p:spPr>
+          <a:xfrm>
+            <a:off x="1239749" y="5118955"/>
+            <a:ext cx="3449148" cy="832338"/>
+          </a:xfrm>
+          <a:prstGeom prst="roundRect">
+            <a:avLst/>
+          </a:prstGeom>
+          <a:solidFill>
+            <a:schemeClr val="bg2">
+              <a:lumMod val="90000"/>
+            </a:schemeClr>
+          </a:solidFill>
+        </p:spPr>
+        <p:style>
+          <a:lnRef idx="2">
+            <a:schemeClr val="accent1">
+              <a:shade val="50000"/>
+            </a:schemeClr>
+          </a:lnRef>
+          <a:fillRef idx="1">
+            <a:schemeClr val="accent1"/>
+          </a:fillRef>
+          <a:effectRef idx="0">
+            <a:schemeClr val="accent1"/>
+          </a:effectRef>
+          <a:fontRef idx="minor">
+            <a:schemeClr val="lt1"/>
+          </a:fontRef>
+        </p:style>
+        <p:txBody>
+          <a:bodyPr rtlCol="0" anchor="ctr"/>
+          <a:lstStyle/>
+          <a:p>
+            <a:pPr algn="ctr"/>
+            <a:r>
+              <a:rPr lang="en-GB" dirty="0" err="1"/>
+              <a:t>MarketState</a:t>
+            </a:r>
+            <a:r>
+              <a:rPr lang="en-GB" dirty="0"/>
+              <a:t>, Order, Trade</a:t>
+            </a:r>
+            <a:endParaRPr lang="en-DE" dirty="0"/>
+          </a:p>
+        </p:txBody>
+      </p:sp>
+      <p:sp>
+        <p:nvSpPr>
+          <p:cNvPr id="37" name="Rounded Rectangle 36">
+            <a:extLst>
+              <a:ext uri="{FF2B5EF4-FFF2-40B4-BE49-F238E27FC236}">
+                <a16:creationId xmlns:a16="http://schemas.microsoft.com/office/drawing/2014/main" id="{B7F30F06-0BA6-2148-A9F5-B28DCCB75B2F}"/>
+              </a:ext>
+            </a:extLst>
+          </p:cNvPr>
+          <p:cNvSpPr/>
+          <p:nvPr/>
+        </p:nvSpPr>
+        <p:spPr>
+          <a:xfrm>
+            <a:off x="13311766" y="4184559"/>
+            <a:ext cx="3449148" cy="832338"/>
+          </a:xfrm>
+          <a:prstGeom prst="roundRect">
+            <a:avLst/>
+          </a:prstGeom>
+          <a:solidFill>
+            <a:schemeClr val="accent6">
+              <a:lumMod val="60000"/>
+              <a:lumOff val="40000"/>
+            </a:schemeClr>
+          </a:solidFill>
+        </p:spPr>
+        <p:style>
+          <a:lnRef idx="2">
+            <a:schemeClr val="accent1">
+              <a:shade val="50000"/>
+            </a:schemeClr>
+          </a:lnRef>
+          <a:fillRef idx="1">
+            <a:schemeClr val="accent1"/>
+          </a:fillRef>
+          <a:effectRef idx="0">
+            <a:schemeClr val="accent1"/>
+          </a:effectRef>
+          <a:fontRef idx="minor">
+            <a:schemeClr val="lt1"/>
+          </a:fontRef>
+        </p:style>
+        <p:txBody>
+          <a:bodyPr rtlCol="0" anchor="ctr"/>
+          <a:lstStyle/>
+          <a:p>
+            <a:pPr algn="ctr"/>
+            <a:r>
+              <a:rPr lang="en-DE" dirty="0"/>
+              <a:t>Model</a:t>
+            </a:r>
+          </a:p>
+        </p:txBody>
+      </p:sp>
+      <p:sp>
+        <p:nvSpPr>
+          <p:cNvPr id="38" name="Rounded Rectangle 37">
+            <a:extLst>
+              <a:ext uri="{FF2B5EF4-FFF2-40B4-BE49-F238E27FC236}">
+                <a16:creationId xmlns:a16="http://schemas.microsoft.com/office/drawing/2014/main" id="{119A26AB-3E47-D144-ACF0-662B71719996}"/>
+              </a:ext>
+            </a:extLst>
+          </p:cNvPr>
+          <p:cNvSpPr/>
+          <p:nvPr/>
+        </p:nvSpPr>
+        <p:spPr>
+          <a:xfrm>
+            <a:off x="13311766" y="2785589"/>
+            <a:ext cx="3449148" cy="832338"/>
+          </a:xfrm>
+          <a:prstGeom prst="roundRect">
+            <a:avLst/>
+          </a:prstGeom>
+          <a:solidFill>
+            <a:schemeClr val="accent1">
+              <a:lumMod val="60000"/>
+              <a:lumOff val="40000"/>
+            </a:schemeClr>
+          </a:solidFill>
+        </p:spPr>
+        <p:style>
+          <a:lnRef idx="2">
+            <a:schemeClr val="accent1">
+              <a:shade val="50000"/>
+            </a:schemeClr>
+          </a:lnRef>
+          <a:fillRef idx="1">
+            <a:schemeClr val="accent1"/>
+          </a:fillRef>
+          <a:effectRef idx="0">
+            <a:schemeClr val="accent1"/>
+          </a:effectRef>
+          <a:fontRef idx="minor">
+            <a:schemeClr val="lt1"/>
+          </a:fontRef>
+        </p:style>
+        <p:txBody>
+          <a:bodyPr rtlCol="0" anchor="ctr"/>
+          <a:lstStyle/>
+          <a:p>
+            <a:pPr algn="ctr"/>
+            <a:r>
+              <a:rPr lang="en-DE" dirty="0"/>
+              <a:t>TrainingLoop</a:t>
+            </a:r>
+          </a:p>
+        </p:txBody>
+      </p:sp>
+      <p:sp>
+        <p:nvSpPr>
+          <p:cNvPr id="39" name="Rounded Rectangle 38">
+            <a:extLst>
+              <a:ext uri="{FF2B5EF4-FFF2-40B4-BE49-F238E27FC236}">
+                <a16:creationId xmlns:a16="http://schemas.microsoft.com/office/drawing/2014/main" id="{62902F30-7640-6E48-B933-A1C27409142A}"/>
+              </a:ext>
+            </a:extLst>
+          </p:cNvPr>
+          <p:cNvSpPr/>
+          <p:nvPr/>
+        </p:nvSpPr>
+        <p:spPr>
+          <a:xfrm>
+            <a:off x="7275757" y="2775460"/>
+            <a:ext cx="3449148" cy="832338"/>
+          </a:xfrm>
+          <a:prstGeom prst="roundRect">
+            <a:avLst/>
+          </a:prstGeom>
+          <a:solidFill>
+            <a:schemeClr val="accent1">
+              <a:lumMod val="75000"/>
+            </a:schemeClr>
+          </a:solidFill>
+        </p:spPr>
+        <p:style>
+          <a:lnRef idx="2">
+            <a:schemeClr val="accent1">
+              <a:shade val="50000"/>
+            </a:schemeClr>
+          </a:lnRef>
+          <a:fillRef idx="1">
+            <a:schemeClr val="accent1"/>
+          </a:fillRef>
+          <a:effectRef idx="0">
+            <a:schemeClr val="accent1"/>
+          </a:effectRef>
+          <a:fontRef idx="minor">
+            <a:schemeClr val="lt1"/>
+          </a:fontRef>
+        </p:style>
+        <p:txBody>
+          <a:bodyPr rtlCol="0" anchor="ctr"/>
+          <a:lstStyle/>
+          <a:p>
+            <a:pPr algn="ctr"/>
+            <a:r>
+              <a:rPr lang="en-DE" dirty="0"/>
+              <a:t>TradingEnvironment(gym.Env)</a:t>
+            </a:r>
+          </a:p>
+        </p:txBody>
+      </p:sp>
+      <p:sp>
+        <p:nvSpPr>
+          <p:cNvPr id="40" name="Rounded Rectangle 39">
+            <a:extLst>
+              <a:ext uri="{FF2B5EF4-FFF2-40B4-BE49-F238E27FC236}">
+                <a16:creationId xmlns:a16="http://schemas.microsoft.com/office/drawing/2014/main" id="{F8CA69BA-2BAA-9440-8359-656958A6BB5B}"/>
+              </a:ext>
+            </a:extLst>
+          </p:cNvPr>
+          <p:cNvSpPr/>
+          <p:nvPr/>
+        </p:nvSpPr>
+        <p:spPr>
+          <a:xfrm>
+            <a:off x="13343330" y="6638917"/>
+            <a:ext cx="3449148" cy="832338"/>
+          </a:xfrm>
+          <a:prstGeom prst="roundRect">
+            <a:avLst/>
+          </a:prstGeom>
+          <a:solidFill>
+            <a:schemeClr val="accent1">
+              <a:lumMod val="60000"/>
+              <a:lumOff val="40000"/>
+            </a:schemeClr>
+          </a:solidFill>
+        </p:spPr>
+        <p:style>
+          <a:lnRef idx="2">
+            <a:schemeClr val="accent1">
+              <a:shade val="50000"/>
+            </a:schemeClr>
+          </a:lnRef>
+          <a:fillRef idx="1">
+            <a:schemeClr val="accent1"/>
+          </a:fillRef>
+          <a:effectRef idx="0">
+            <a:schemeClr val="accent1"/>
+          </a:effectRef>
+          <a:fontRef idx="minor">
+            <a:schemeClr val="lt1"/>
+          </a:fontRef>
+        </p:style>
+        <p:txBody>
+          <a:bodyPr rtlCol="0" anchor="ctr"/>
+          <a:lstStyle/>
+          <a:p>
+            <a:pPr algn="ctr"/>
+            <a:r>
+              <a:rPr lang="en-DE" dirty="0"/>
+              <a:t>Context</a:t>
+            </a:r>
+          </a:p>
+        </p:txBody>
+      </p:sp>
+      <p:cxnSp>
+        <p:nvCxnSpPr>
+          <p:cNvPr id="42" name="Straight Arrow Connector 41">
+            <a:extLst>
+              <a:ext uri="{FF2B5EF4-FFF2-40B4-BE49-F238E27FC236}">
+                <a16:creationId xmlns:a16="http://schemas.microsoft.com/office/drawing/2014/main" id="{EF7EDEA1-C1E5-314E-A47E-9069BF2FFFE7}"/>
+              </a:ext>
+            </a:extLst>
+          </p:cNvPr>
+          <p:cNvCxnSpPr>
+            <a:stCxn id="39" idx="3"/>
+            <a:endCxn id="38" idx="1"/>
+          </p:cNvCxnSpPr>
+          <p:nvPr/>
+        </p:nvCxnSpPr>
+        <p:spPr>
+          <a:xfrm>
+            <a:off x="10724905" y="3191629"/>
+            <a:ext cx="2586861" cy="10129"/>
+          </a:xfrm>
+          <a:prstGeom prst="straightConnector1">
+            <a:avLst/>
+          </a:prstGeom>
+          <a:ln>
+            <a:tailEnd type="triangle"/>
+          </a:ln>
+        </p:spPr>
+        <p:style>
+          <a:lnRef idx="1">
+            <a:schemeClr val="accent1"/>
+          </a:lnRef>
+          <a:fillRef idx="0">
+            <a:schemeClr val="accent1"/>
+          </a:fillRef>
+          <a:effectRef idx="0">
+            <a:schemeClr val="accent1"/>
+          </a:effectRef>
+          <a:fontRef idx="minor">
+            <a:schemeClr val="tx1"/>
+          </a:fontRef>
+        </p:style>
+      </p:cxnSp>
+      <p:cxnSp>
+        <p:nvCxnSpPr>
+          <p:cNvPr id="46" name="Straight Arrow Connector 45">
+            <a:extLst>
+              <a:ext uri="{FF2B5EF4-FFF2-40B4-BE49-F238E27FC236}">
+                <a16:creationId xmlns:a16="http://schemas.microsoft.com/office/drawing/2014/main" id="{FC82BEE4-69C2-FF45-9749-8E9B7B47CC1A}"/>
+              </a:ext>
+            </a:extLst>
+          </p:cNvPr>
+          <p:cNvCxnSpPr>
+            <a:stCxn id="5" idx="0"/>
+            <a:endCxn id="39" idx="2"/>
+          </p:cNvCxnSpPr>
+          <p:nvPr/>
+        </p:nvCxnSpPr>
+        <p:spPr>
+          <a:xfrm flipH="1" flipV="1">
+            <a:off x="9000331" y="3607798"/>
+            <a:ext cx="1" cy="547493"/>
+          </a:xfrm>
+          <a:prstGeom prst="straightConnector1">
+            <a:avLst/>
+          </a:prstGeom>
+          <a:ln>
+            <a:tailEnd type="triangle"/>
+          </a:ln>
+        </p:spPr>
+        <p:style>
+          <a:lnRef idx="1">
+            <a:schemeClr val="accent1"/>
+          </a:lnRef>
+          <a:fillRef idx="0">
+            <a:schemeClr val="accent1"/>
+          </a:fillRef>
+          <a:effectRef idx="0">
+            <a:schemeClr val="accent1"/>
+          </a:effectRef>
+          <a:fontRef idx="minor">
+            <a:schemeClr val="tx1"/>
+          </a:fontRef>
+        </p:style>
+      </p:cxnSp>
+      <p:cxnSp>
+        <p:nvCxnSpPr>
+          <p:cNvPr id="48" name="Straight Arrow Connector 47">
+            <a:extLst>
+              <a:ext uri="{FF2B5EF4-FFF2-40B4-BE49-F238E27FC236}">
+                <a16:creationId xmlns:a16="http://schemas.microsoft.com/office/drawing/2014/main" id="{DDDD147E-A42E-034D-B5EF-7B1E80AED7CD}"/>
+              </a:ext>
+            </a:extLst>
+          </p:cNvPr>
+          <p:cNvCxnSpPr>
+            <a:stCxn id="33" idx="0"/>
+            <a:endCxn id="5" idx="2"/>
+          </p:cNvCxnSpPr>
+          <p:nvPr/>
+        </p:nvCxnSpPr>
+        <p:spPr>
+          <a:xfrm flipV="1">
+            <a:off x="8968767" y="4987629"/>
+            <a:ext cx="31565" cy="1839586"/>
+          </a:xfrm>
+          <a:prstGeom prst="straightConnector1">
+            <a:avLst/>
+          </a:prstGeom>
+          <a:ln>
+            <a:tailEnd type="triangle"/>
+          </a:ln>
+        </p:spPr>
+        <p:style>
+          <a:lnRef idx="1">
+            <a:schemeClr val="accent1"/>
+          </a:lnRef>
+          <a:fillRef idx="0">
+            <a:schemeClr val="accent1"/>
+          </a:fillRef>
+          <a:effectRef idx="0">
+            <a:schemeClr val="accent1"/>
+          </a:effectRef>
+          <a:fontRef idx="minor">
+            <a:schemeClr val="tx1"/>
+          </a:fontRef>
+        </p:style>
+      </p:cxnSp>
+      <p:cxnSp>
+        <p:nvCxnSpPr>
+          <p:cNvPr id="56" name="Straight Arrow Connector 55">
+            <a:extLst>
+              <a:ext uri="{FF2B5EF4-FFF2-40B4-BE49-F238E27FC236}">
+                <a16:creationId xmlns:a16="http://schemas.microsoft.com/office/drawing/2014/main" id="{E5B624B3-6FE5-6544-8B7C-68FB62C970C3}"/>
+              </a:ext>
+            </a:extLst>
+          </p:cNvPr>
+          <p:cNvCxnSpPr>
+            <a:stCxn id="40" idx="2"/>
+            <a:endCxn id="32" idx="0"/>
+          </p:cNvCxnSpPr>
+          <p:nvPr/>
+        </p:nvCxnSpPr>
+        <p:spPr>
+          <a:xfrm flipH="1">
+            <a:off x="15036340" y="7471255"/>
+            <a:ext cx="31564" cy="1205851"/>
+          </a:xfrm>
+          <a:prstGeom prst="straightConnector1">
+            <a:avLst/>
+          </a:prstGeom>
+          <a:ln>
+            <a:tailEnd type="triangle"/>
+          </a:ln>
+        </p:spPr>
+        <p:style>
+          <a:lnRef idx="1">
+            <a:schemeClr val="accent1"/>
+          </a:lnRef>
+          <a:fillRef idx="0">
+            <a:schemeClr val="accent1"/>
+          </a:fillRef>
+          <a:effectRef idx="0">
+            <a:schemeClr val="accent1"/>
+          </a:effectRef>
+          <a:fontRef idx="minor">
+            <a:schemeClr val="tx1"/>
+          </a:fontRef>
+        </p:style>
+      </p:cxnSp>
+      <p:cxnSp>
+        <p:nvCxnSpPr>
+          <p:cNvPr id="62" name="Elbow Connector 61">
+            <a:extLst>
+              <a:ext uri="{FF2B5EF4-FFF2-40B4-BE49-F238E27FC236}">
+                <a16:creationId xmlns:a16="http://schemas.microsoft.com/office/drawing/2014/main" id="{B5D5B5F5-18C1-8641-B8AB-E2E48AD82D66}"/>
+              </a:ext>
+            </a:extLst>
+          </p:cNvPr>
+          <p:cNvCxnSpPr>
+            <a:stCxn id="32" idx="1"/>
+            <a:endCxn id="5" idx="3"/>
+          </p:cNvCxnSpPr>
+          <p:nvPr/>
+        </p:nvCxnSpPr>
+        <p:spPr>
+          <a:xfrm rot="10800000">
+            <a:off x="10724906" y="4571461"/>
+            <a:ext cx="2586860" cy="4521815"/>
+          </a:xfrm>
+          <a:prstGeom prst="bentConnector3">
+            <a:avLst/>
+          </a:prstGeom>
+          <a:ln>
+            <a:tailEnd type="triangle"/>
+          </a:ln>
+        </p:spPr>
+        <p:style>
+          <a:lnRef idx="1">
+            <a:schemeClr val="accent1"/>
+          </a:lnRef>
+          <a:fillRef idx="0">
+            <a:schemeClr val="accent1"/>
+          </a:fillRef>
+          <a:effectRef idx="0">
+            <a:schemeClr val="accent1"/>
+          </a:effectRef>
+          <a:fontRef idx="minor">
+            <a:schemeClr val="tx1"/>
+          </a:fontRef>
+        </p:style>
+      </p:cxnSp>
+      <p:sp>
+        <p:nvSpPr>
+          <p:cNvPr id="63" name="TextBox 62">
+            <a:extLst>
+              <a:ext uri="{FF2B5EF4-FFF2-40B4-BE49-F238E27FC236}">
+                <a16:creationId xmlns:a16="http://schemas.microsoft.com/office/drawing/2014/main" id="{519C6419-5C86-6C48-8E6F-CD69766DF8EF}"/>
+              </a:ext>
+            </a:extLst>
+          </p:cNvPr>
+          <p:cNvSpPr txBox="1"/>
+          <p:nvPr/>
+        </p:nvSpPr>
+        <p:spPr>
+          <a:xfrm>
+            <a:off x="721680" y="1305399"/>
+            <a:ext cx="4171949" cy="461665"/>
+          </a:xfrm>
+          <a:prstGeom prst="rect">
+            <a:avLst/>
+          </a:prstGeom>
+          <a:noFill/>
+        </p:spPr>
+        <p:txBody>
+          <a:bodyPr wrap="square" rtlCol="0">
+            <a:spAutoFit/>
+          </a:bodyPr>
+          <a:lstStyle/>
+          <a:p>
+            <a:r>
+              <a:rPr lang="en-DE" sz="2400" dirty="0">
+                <a:solidFill>
+                  <a:schemeClr val="accent1"/>
+                </a:solidFill>
+              </a:rPr>
+              <a:t>RL Trading Environment</a:t>
+            </a:r>
+          </a:p>
+        </p:txBody>
+      </p:sp>
+      <p:cxnSp>
+        <p:nvCxnSpPr>
+          <p:cNvPr id="68" name="Straight Arrow Connector 67">
+            <a:extLst>
+              <a:ext uri="{FF2B5EF4-FFF2-40B4-BE49-F238E27FC236}">
+                <a16:creationId xmlns:a16="http://schemas.microsoft.com/office/drawing/2014/main" id="{ABACE998-E87A-FC49-B322-2D5E00DD4228}"/>
+              </a:ext>
+            </a:extLst>
+          </p:cNvPr>
+          <p:cNvCxnSpPr>
+            <a:stCxn id="31" idx="3"/>
+            <a:endCxn id="33" idx="1"/>
+          </p:cNvCxnSpPr>
+          <p:nvPr/>
+        </p:nvCxnSpPr>
+        <p:spPr>
+          <a:xfrm>
+            <a:off x="4707760" y="7212310"/>
+            <a:ext cx="2536433" cy="31074"/>
+          </a:xfrm>
+          <a:prstGeom prst="straightConnector1">
+            <a:avLst/>
+          </a:prstGeom>
+          <a:ln>
+            <a:tailEnd type="triangle"/>
+          </a:ln>
+        </p:spPr>
+        <p:style>
+          <a:lnRef idx="1">
+            <a:schemeClr val="accent1"/>
+          </a:lnRef>
+          <a:fillRef idx="0">
+            <a:schemeClr val="accent1"/>
+          </a:fillRef>
+          <a:effectRef idx="0">
+            <a:schemeClr val="accent1"/>
+          </a:effectRef>
+          <a:fontRef idx="minor">
+            <a:schemeClr val="tx1"/>
+          </a:fontRef>
+        </p:style>
+      </p:cxnSp>
+      <p:sp>
+        <p:nvSpPr>
+          <p:cNvPr id="69" name="Can 68">
+            <a:extLst>
+              <a:ext uri="{FF2B5EF4-FFF2-40B4-BE49-F238E27FC236}">
+                <a16:creationId xmlns:a16="http://schemas.microsoft.com/office/drawing/2014/main" id="{1832430E-CA47-744E-927F-682E32457A8F}"/>
+              </a:ext>
+            </a:extLst>
+          </p:cNvPr>
+          <p:cNvSpPr/>
+          <p:nvPr/>
+        </p:nvSpPr>
+        <p:spPr>
+          <a:xfrm>
+            <a:off x="1883048" y="8146369"/>
+            <a:ext cx="2200275" cy="1069819"/>
+          </a:xfrm>
+          <a:prstGeom prst="can">
+            <a:avLst/>
+          </a:prstGeom>
+          <a:solidFill>
+            <a:schemeClr val="bg2">
+              <a:lumMod val="90000"/>
+            </a:schemeClr>
+          </a:solidFill>
+        </p:spPr>
+        <p:style>
+          <a:lnRef idx="2">
+            <a:schemeClr val="accent1">
+              <a:shade val="50000"/>
+            </a:schemeClr>
+          </a:lnRef>
+          <a:fillRef idx="1">
+            <a:schemeClr val="accent1"/>
+          </a:fillRef>
+          <a:effectRef idx="0">
+            <a:schemeClr val="accent1"/>
+          </a:effectRef>
+          <a:fontRef idx="minor">
+            <a:schemeClr val="lt1"/>
+          </a:fontRef>
+        </p:style>
+        <p:txBody>
+          <a:bodyPr rtlCol="0" anchor="ctr"/>
+          <a:lstStyle/>
+          <a:p>
+            <a:pPr algn="ctr"/>
+            <a:r>
+              <a:rPr lang="en-DE" dirty="0"/>
+              <a:t>Data</a:t>
+            </a:r>
+          </a:p>
+        </p:txBody>
+      </p:sp>
+      <p:sp>
+        <p:nvSpPr>
+          <p:cNvPr id="71" name="TextBox 70">
+            <a:extLst>
+              <a:ext uri="{FF2B5EF4-FFF2-40B4-BE49-F238E27FC236}">
+                <a16:creationId xmlns:a16="http://schemas.microsoft.com/office/drawing/2014/main" id="{B07A8587-F4DB-C24D-A8CB-84838DA782F9}"/>
+              </a:ext>
+            </a:extLst>
+          </p:cNvPr>
+          <p:cNvSpPr txBox="1"/>
+          <p:nvPr/>
+        </p:nvSpPr>
+        <p:spPr>
+          <a:xfrm>
+            <a:off x="721681" y="686510"/>
+            <a:ext cx="4171949" cy="461665"/>
+          </a:xfrm>
+          <a:prstGeom prst="rect">
+            <a:avLst/>
+          </a:prstGeom>
+          <a:noFill/>
+        </p:spPr>
+        <p:txBody>
+          <a:bodyPr wrap="square" rtlCol="0">
+            <a:spAutoFit/>
+          </a:bodyPr>
+          <a:lstStyle/>
+          <a:p>
+            <a:r>
+              <a:rPr lang="en-DE" sz="2400" dirty="0">
+                <a:solidFill>
+                  <a:schemeClr val="bg2">
+                    <a:lumMod val="75000"/>
+                  </a:schemeClr>
+                </a:solidFill>
+              </a:rPr>
+              <a:t>L2-Backtest-Engine</a:t>
+            </a:r>
+          </a:p>
+        </p:txBody>
+      </p:sp>
+      <p:cxnSp>
+        <p:nvCxnSpPr>
+          <p:cNvPr id="73" name="Straight Arrow Connector 72">
+            <a:extLst>
+              <a:ext uri="{FF2B5EF4-FFF2-40B4-BE49-F238E27FC236}">
+                <a16:creationId xmlns:a16="http://schemas.microsoft.com/office/drawing/2014/main" id="{196E5819-525C-D242-AA0E-DBFD6A795FE7}"/>
+              </a:ext>
+            </a:extLst>
+          </p:cNvPr>
+          <p:cNvCxnSpPr>
+            <a:cxnSpLocks/>
+            <a:stCxn id="69" idx="1"/>
+            <a:endCxn id="31" idx="2"/>
+          </p:cNvCxnSpPr>
+          <p:nvPr/>
+        </p:nvCxnSpPr>
+        <p:spPr>
+          <a:xfrm flipV="1">
+            <a:off x="2983186" y="7628479"/>
+            <a:ext cx="0" cy="517890"/>
+          </a:xfrm>
+          <a:prstGeom prst="straightConnector1">
+            <a:avLst/>
+          </a:prstGeom>
+          <a:ln>
+            <a:tailEnd type="triangle"/>
+          </a:ln>
+        </p:spPr>
+        <p:style>
+          <a:lnRef idx="1">
+            <a:schemeClr val="accent1"/>
+          </a:lnRef>
+          <a:fillRef idx="0">
+            <a:schemeClr val="accent1"/>
+          </a:fillRef>
+          <a:effectRef idx="0">
+            <a:schemeClr val="accent1"/>
+          </a:effectRef>
+          <a:fontRef idx="minor">
+            <a:schemeClr val="tx1"/>
+          </a:fontRef>
+        </p:style>
+      </p:cxnSp>
+      <p:cxnSp>
+        <p:nvCxnSpPr>
+          <p:cNvPr id="79" name="Elbow Connector 78">
+            <a:extLst>
+              <a:ext uri="{FF2B5EF4-FFF2-40B4-BE49-F238E27FC236}">
+                <a16:creationId xmlns:a16="http://schemas.microsoft.com/office/drawing/2014/main" id="{60774876-0364-CF4D-80F6-DE006C1C623C}"/>
+              </a:ext>
+            </a:extLst>
+          </p:cNvPr>
+          <p:cNvCxnSpPr>
+            <a:stCxn id="37" idx="3"/>
+            <a:endCxn id="32" idx="3"/>
+          </p:cNvCxnSpPr>
+          <p:nvPr/>
+        </p:nvCxnSpPr>
+        <p:spPr>
+          <a:xfrm>
+            <a:off x="16760914" y="4600728"/>
+            <a:ext cx="12700" cy="4492547"/>
+          </a:xfrm>
+          <a:prstGeom prst="bentConnector3">
+            <a:avLst>
+              <a:gd name="adj1" fmla="val 1800000"/>
+            </a:avLst>
+          </a:prstGeom>
+          <a:ln>
+            <a:tailEnd type="triangle"/>
+          </a:ln>
+        </p:spPr>
+        <p:style>
+          <a:lnRef idx="1">
+            <a:schemeClr val="accent1"/>
+          </a:lnRef>
+          <a:fillRef idx="0">
+            <a:schemeClr val="accent1"/>
+          </a:fillRef>
+          <a:effectRef idx="0">
+            <a:schemeClr val="accent1"/>
+          </a:effectRef>
+          <a:fontRef idx="minor">
+            <a:schemeClr val="tx1"/>
+          </a:fontRef>
+        </p:style>
+      </p:cxnSp>
+      <p:cxnSp>
+        <p:nvCxnSpPr>
+          <p:cNvPr id="81" name="Straight Arrow Connector 80">
+            <a:extLst>
+              <a:ext uri="{FF2B5EF4-FFF2-40B4-BE49-F238E27FC236}">
+                <a16:creationId xmlns:a16="http://schemas.microsoft.com/office/drawing/2014/main" id="{A47EBBA7-1DBB-B641-900A-EF8B7FC45E5D}"/>
+              </a:ext>
+            </a:extLst>
+          </p:cNvPr>
+          <p:cNvCxnSpPr>
+            <a:stCxn id="5" idx="1"/>
+            <a:endCxn id="34" idx="3"/>
+          </p:cNvCxnSpPr>
+          <p:nvPr/>
+        </p:nvCxnSpPr>
+        <p:spPr>
+          <a:xfrm flipH="1">
+            <a:off x="4688897" y="4571460"/>
+            <a:ext cx="2586861" cy="963664"/>
+          </a:xfrm>
+          <a:prstGeom prst="straightConnector1">
+            <a:avLst/>
+          </a:prstGeom>
+          <a:ln>
+            <a:tailEnd type="triangle"/>
+          </a:ln>
+        </p:spPr>
+        <p:style>
+          <a:lnRef idx="1">
+            <a:schemeClr val="accent1"/>
+          </a:lnRef>
+          <a:fillRef idx="0">
+            <a:schemeClr val="accent1"/>
+          </a:fillRef>
+          <a:effectRef idx="0">
+            <a:schemeClr val="accent1"/>
+          </a:effectRef>
+          <a:fontRef idx="minor">
+            <a:schemeClr val="tx1"/>
+          </a:fontRef>
+        </p:style>
+      </p:cxnSp>
+      <p:sp>
+        <p:nvSpPr>
+          <p:cNvPr id="82" name="Rounded Rectangle 81">
+            <a:extLst>
+              <a:ext uri="{FF2B5EF4-FFF2-40B4-BE49-F238E27FC236}">
+                <a16:creationId xmlns:a16="http://schemas.microsoft.com/office/drawing/2014/main" id="{07D956B7-0F39-E64C-87BC-692ED8A90255}"/>
+              </a:ext>
+            </a:extLst>
+          </p:cNvPr>
+          <p:cNvSpPr/>
+          <p:nvPr/>
+        </p:nvSpPr>
+        <p:spPr>
+          <a:xfrm>
+            <a:off x="14158271" y="7911529"/>
+            <a:ext cx="1576325" cy="256967"/>
+          </a:xfrm>
+          <a:prstGeom prst="roundRect">
+            <a:avLst/>
+          </a:prstGeom>
+        </p:spPr>
+        <p:style>
+          <a:lnRef idx="2">
+            <a:schemeClr val="accent1">
+              <a:shade val="50000"/>
+            </a:schemeClr>
+          </a:lnRef>
+          <a:fillRef idx="1">
+            <a:schemeClr val="accent1"/>
+          </a:fillRef>
+          <a:effectRef idx="0">
+            <a:schemeClr val="accent1"/>
+          </a:effectRef>
+          <a:fontRef idx="minor">
+            <a:schemeClr val="lt1"/>
+          </a:fontRef>
+        </p:style>
+        <p:txBody>
+          <a:bodyPr rtlCol="0" anchor="ctr"/>
+          <a:lstStyle/>
+          <a:p>
+            <a:pPr algn="ctr"/>
+            <a:r>
+              <a:rPr lang="en-DE" sz="1200" dirty="0"/>
+              <a:t>ObservationSpace</a:t>
+            </a:r>
+          </a:p>
+        </p:txBody>
+      </p:sp>
+      <p:sp>
+        <p:nvSpPr>
+          <p:cNvPr id="83" name="Rounded Rectangle 82">
+            <a:extLst>
+              <a:ext uri="{FF2B5EF4-FFF2-40B4-BE49-F238E27FC236}">
+                <a16:creationId xmlns:a16="http://schemas.microsoft.com/office/drawing/2014/main" id="{AF9DBDA7-7EA2-5249-9728-B08B1A982954}"/>
+              </a:ext>
+            </a:extLst>
+          </p:cNvPr>
+          <p:cNvSpPr/>
+          <p:nvPr/>
+        </p:nvSpPr>
+        <p:spPr>
+          <a:xfrm>
+            <a:off x="7291539" y="9050083"/>
+            <a:ext cx="3449148" cy="832338"/>
+          </a:xfrm>
+          <a:prstGeom prst="roundRect">
+            <a:avLst/>
+          </a:prstGeom>
+          <a:solidFill>
+            <a:schemeClr val="accent1">
+              <a:lumMod val="60000"/>
+              <a:lumOff val="40000"/>
+            </a:schemeClr>
+          </a:solidFill>
+        </p:spPr>
+        <p:style>
+          <a:lnRef idx="2">
+            <a:schemeClr val="accent1">
+              <a:shade val="50000"/>
+            </a:schemeClr>
+          </a:lnRef>
+          <a:fillRef idx="1">
+            <a:schemeClr val="accent1"/>
+          </a:fillRef>
+          <a:effectRef idx="0">
+            <a:schemeClr val="accent1"/>
+          </a:effectRef>
+          <a:fontRef idx="minor">
+            <a:schemeClr val="lt1"/>
+          </a:fontRef>
+        </p:style>
+        <p:txBody>
+          <a:bodyPr rtlCol="0" anchor="ctr"/>
+          <a:lstStyle/>
+          <a:p>
+            <a:pPr algn="ctr"/>
+            <a:r>
+              <a:rPr lang="en-DE" dirty="0"/>
+              <a:t>AgentState</a:t>
+            </a:r>
+          </a:p>
+        </p:txBody>
+      </p:sp>
+      <p:sp>
+        <p:nvSpPr>
+          <p:cNvPr id="100" name="Rounded Rectangle 99">
+            <a:extLst>
+              <a:ext uri="{FF2B5EF4-FFF2-40B4-BE49-F238E27FC236}">
+                <a16:creationId xmlns:a16="http://schemas.microsoft.com/office/drawing/2014/main" id="{6C50E27D-AF52-3948-8391-A2665CD3AB95}"/>
+              </a:ext>
+            </a:extLst>
+          </p:cNvPr>
+          <p:cNvSpPr/>
+          <p:nvPr/>
+        </p:nvSpPr>
+        <p:spPr>
+          <a:xfrm>
+            <a:off x="11245953" y="7911529"/>
+            <a:ext cx="1576325" cy="256967"/>
+          </a:xfrm>
+          <a:prstGeom prst="roundRect">
+            <a:avLst/>
+          </a:prstGeom>
+        </p:spPr>
+        <p:style>
+          <a:lnRef idx="2">
+            <a:schemeClr val="accent1">
+              <a:shade val="50000"/>
+            </a:schemeClr>
+          </a:lnRef>
+          <a:fillRef idx="1">
+            <a:schemeClr val="accent1"/>
+          </a:fillRef>
+          <a:effectRef idx="0">
+            <a:schemeClr val="accent1"/>
+          </a:effectRef>
+          <a:fontRef idx="minor">
+            <a:schemeClr val="lt1"/>
+          </a:fontRef>
+        </p:style>
+        <p:txBody>
+          <a:bodyPr rtlCol="0" anchor="ctr"/>
+          <a:lstStyle/>
+          <a:p>
+            <a:pPr algn="ctr"/>
+            <a:r>
+              <a:rPr lang="en-DE" sz="1200" dirty="0"/>
+              <a:t>ActionSpace</a:t>
+            </a:r>
+          </a:p>
+        </p:txBody>
+      </p:sp>
+      <p:sp>
+        <p:nvSpPr>
+          <p:cNvPr id="103" name="Rounded Rectangle 102">
+            <a:extLst>
+              <a:ext uri="{FF2B5EF4-FFF2-40B4-BE49-F238E27FC236}">
+                <a16:creationId xmlns:a16="http://schemas.microsoft.com/office/drawing/2014/main" id="{8A7DD80E-061A-5D42-BDE5-B9109A3AA991}"/>
+              </a:ext>
+            </a:extLst>
+          </p:cNvPr>
+          <p:cNvSpPr/>
+          <p:nvPr/>
+        </p:nvSpPr>
+        <p:spPr>
+          <a:xfrm>
+            <a:off x="10293761" y="5186583"/>
+            <a:ext cx="3449148" cy="832338"/>
+          </a:xfrm>
+          <a:prstGeom prst="roundRect">
+            <a:avLst/>
+          </a:prstGeom>
+          <a:solidFill>
+            <a:schemeClr val="bg2">
+              <a:lumMod val="90000"/>
+            </a:schemeClr>
+          </a:solidFill>
+        </p:spPr>
+        <p:style>
+          <a:lnRef idx="2">
+            <a:schemeClr val="accent1">
+              <a:shade val="50000"/>
+            </a:schemeClr>
+          </a:lnRef>
+          <a:fillRef idx="1">
+            <a:schemeClr val="accent1"/>
+          </a:fillRef>
+          <a:effectRef idx="0">
+            <a:schemeClr val="accent1"/>
+          </a:effectRef>
+          <a:fontRef idx="minor">
+            <a:schemeClr val="lt1"/>
+          </a:fontRef>
+        </p:style>
+        <p:txBody>
+          <a:bodyPr rtlCol="0" anchor="ctr"/>
+          <a:lstStyle/>
+          <a:p>
+            <a:pPr algn="ctr"/>
+            <a:r>
+              <a:rPr lang="en-GB" dirty="0" err="1"/>
+              <a:t>MarketInterface</a:t>
+            </a:r>
+            <a:endParaRPr lang="en-DE" dirty="0"/>
+          </a:p>
+        </p:txBody>
+      </p:sp>
+      <p:cxnSp>
+        <p:nvCxnSpPr>
+          <p:cNvPr id="36" name="Elbow Connector 35">
+            <a:extLst>
+              <a:ext uri="{FF2B5EF4-FFF2-40B4-BE49-F238E27FC236}">
+                <a16:creationId xmlns:a16="http://schemas.microsoft.com/office/drawing/2014/main" id="{AC4F8970-C262-A348-BA7D-39BBBE50ACFB}"/>
+              </a:ext>
+            </a:extLst>
+          </p:cNvPr>
+          <p:cNvCxnSpPr>
+            <a:stCxn id="34" idx="2"/>
+            <a:endCxn id="40" idx="0"/>
+          </p:cNvCxnSpPr>
+          <p:nvPr/>
+        </p:nvCxnSpPr>
+        <p:spPr>
+          <a:xfrm rot="16200000" flipH="1">
+            <a:off x="8672301" y="243314"/>
+            <a:ext cx="687624" cy="12103581"/>
+          </a:xfrm>
+          <a:prstGeom prst="bentConnector3">
+            <a:avLst/>
+          </a:prstGeom>
+          <a:ln>
+            <a:tailEnd type="triangle"/>
+          </a:ln>
+        </p:spPr>
+        <p:style>
+          <a:lnRef idx="1">
+            <a:schemeClr val="accent1"/>
+          </a:lnRef>
+          <a:fillRef idx="0">
+            <a:schemeClr val="accent1"/>
+          </a:fillRef>
+          <a:effectRef idx="0">
+            <a:schemeClr val="accent1"/>
+          </a:effectRef>
+          <a:fontRef idx="minor">
+            <a:schemeClr val="tx1"/>
+          </a:fontRef>
+        </p:style>
+      </p:cxnSp>
+      <p:sp>
+        <p:nvSpPr>
+          <p:cNvPr id="78" name="Rounded Rectangle 77">
+            <a:extLst>
+              <a:ext uri="{FF2B5EF4-FFF2-40B4-BE49-F238E27FC236}">
+                <a16:creationId xmlns:a16="http://schemas.microsoft.com/office/drawing/2014/main" id="{10827F49-51FB-C948-9BFD-7DBBC987FF87}"/>
+              </a:ext>
+            </a:extLst>
+          </p:cNvPr>
+          <p:cNvSpPr/>
+          <p:nvPr/>
+        </p:nvSpPr>
+        <p:spPr>
+          <a:xfrm>
+            <a:off x="13343330" y="9872249"/>
+            <a:ext cx="3449148" cy="832338"/>
+          </a:xfrm>
+          <a:prstGeom prst="roundRect">
+            <a:avLst/>
+          </a:prstGeom>
+          <a:solidFill>
+            <a:schemeClr val="bg2">
+              <a:lumMod val="90000"/>
+            </a:schemeClr>
+          </a:solidFill>
+        </p:spPr>
+        <p:style>
+          <a:lnRef idx="2">
+            <a:schemeClr val="accent1">
+              <a:shade val="50000"/>
+            </a:schemeClr>
+          </a:lnRef>
+          <a:fillRef idx="1">
+            <a:schemeClr val="accent1"/>
+          </a:fillRef>
+          <a:effectRef idx="0">
+            <a:schemeClr val="accent1"/>
+          </a:effectRef>
+          <a:fontRef idx="minor">
+            <a:schemeClr val="lt1"/>
+          </a:fontRef>
+        </p:style>
+        <p:txBody>
+          <a:bodyPr rtlCol="0" anchor="ctr"/>
+          <a:lstStyle/>
+          <a:p>
+            <a:pPr algn="ctr"/>
+            <a:r>
+              <a:rPr lang="en-GB" dirty="0" err="1"/>
+              <a:t>BaseAgent</a:t>
+            </a:r>
+            <a:endParaRPr lang="en-DE" dirty="0"/>
+          </a:p>
+        </p:txBody>
+      </p:sp>
+      <p:cxnSp>
+        <p:nvCxnSpPr>
+          <p:cNvPr id="72" name="Straight Arrow Connector 71">
+            <a:extLst>
+              <a:ext uri="{FF2B5EF4-FFF2-40B4-BE49-F238E27FC236}">
+                <a16:creationId xmlns:a16="http://schemas.microsoft.com/office/drawing/2014/main" id="{BF4E0283-A895-5843-BEB6-FF056671CF57}"/>
+              </a:ext>
+            </a:extLst>
+          </p:cNvPr>
+          <p:cNvCxnSpPr>
+            <a:stCxn id="78" idx="0"/>
+          </p:cNvCxnSpPr>
+          <p:nvPr/>
+        </p:nvCxnSpPr>
+        <p:spPr>
+          <a:xfrm flipV="1">
+            <a:off x="15067904" y="9509444"/>
+            <a:ext cx="0" cy="362805"/>
+          </a:xfrm>
+          <a:prstGeom prst="straightConnector1">
+            <a:avLst/>
+          </a:prstGeom>
+          <a:ln>
+            <a:tailEnd type="triangle"/>
+          </a:ln>
+        </p:spPr>
+        <p:style>
+          <a:lnRef idx="1">
+            <a:schemeClr val="accent1"/>
+          </a:lnRef>
+          <a:fillRef idx="0">
+            <a:schemeClr val="accent1"/>
+          </a:fillRef>
+          <a:effectRef idx="0">
+            <a:schemeClr val="accent1"/>
+          </a:effectRef>
+          <a:fontRef idx="minor">
+            <a:schemeClr val="tx1"/>
+          </a:fontRef>
+        </p:style>
+      </p:cxnSp>
+      <p:cxnSp>
+        <p:nvCxnSpPr>
+          <p:cNvPr id="84" name="Straight Arrow Connector 83">
+            <a:extLst>
+              <a:ext uri="{FF2B5EF4-FFF2-40B4-BE49-F238E27FC236}">
+                <a16:creationId xmlns:a16="http://schemas.microsoft.com/office/drawing/2014/main" id="{1AE40CBF-7980-0946-8A53-FDCAF7554C1F}"/>
+              </a:ext>
+            </a:extLst>
+          </p:cNvPr>
+          <p:cNvCxnSpPr>
+            <a:stCxn id="38" idx="2"/>
+            <a:endCxn id="37" idx="0"/>
+          </p:cNvCxnSpPr>
+          <p:nvPr/>
+        </p:nvCxnSpPr>
+        <p:spPr>
+          <a:xfrm>
+            <a:off x="15036340" y="3617927"/>
+            <a:ext cx="0" cy="566632"/>
+          </a:xfrm>
+          <a:prstGeom prst="straightConnector1">
+            <a:avLst/>
+          </a:prstGeom>
+          <a:ln>
+            <a:tailEnd type="triangle"/>
+          </a:ln>
+        </p:spPr>
+        <p:style>
+          <a:lnRef idx="1">
+            <a:schemeClr val="accent1"/>
+          </a:lnRef>
+          <a:fillRef idx="0">
+            <a:schemeClr val="accent1"/>
+          </a:fillRef>
+          <a:effectRef idx="0">
+            <a:schemeClr val="accent1"/>
+          </a:effectRef>
+          <a:fontRef idx="minor">
+            <a:schemeClr val="tx1"/>
+          </a:fontRef>
+        </p:style>
+      </p:cxnSp>
+      <p:cxnSp>
+        <p:nvCxnSpPr>
+          <p:cNvPr id="3" name="Straight Arrow Connector 2">
+            <a:extLst>
+              <a:ext uri="{FF2B5EF4-FFF2-40B4-BE49-F238E27FC236}">
+                <a16:creationId xmlns:a16="http://schemas.microsoft.com/office/drawing/2014/main" id="{D5B8EDD2-0783-A440-8E70-06B5E1AD15E1}"/>
+              </a:ext>
+            </a:extLst>
+          </p:cNvPr>
+          <p:cNvCxnSpPr>
+            <a:endCxn id="83" idx="3"/>
+          </p:cNvCxnSpPr>
+          <p:nvPr/>
+        </p:nvCxnSpPr>
+        <p:spPr>
+          <a:xfrm flipH="1">
+            <a:off x="10740687" y="6018921"/>
+            <a:ext cx="250774" cy="3447331"/>
+          </a:xfrm>
+          <a:prstGeom prst="straightConnector1">
+            <a:avLst/>
+          </a:prstGeom>
+          <a:ln>
+            <a:tailEnd type="triangle"/>
+          </a:ln>
+        </p:spPr>
+        <p:style>
+          <a:lnRef idx="1">
+            <a:schemeClr val="accent1"/>
+          </a:lnRef>
+          <a:fillRef idx="0">
+            <a:schemeClr val="accent1"/>
+          </a:fillRef>
+          <a:effectRef idx="0">
+            <a:schemeClr val="accent1"/>
+          </a:effectRef>
+          <a:fontRef idx="minor">
+            <a:schemeClr val="tx1"/>
+          </a:fontRef>
+        </p:style>
+      </p:cxnSp>
+      <p:sp>
+        <p:nvSpPr>
+          <p:cNvPr id="4" name="TextBox 3">
+            <a:extLst>
+              <a:ext uri="{FF2B5EF4-FFF2-40B4-BE49-F238E27FC236}">
+                <a16:creationId xmlns:a16="http://schemas.microsoft.com/office/drawing/2014/main" id="{148BD80A-EEF6-B648-8D2F-81B9944011DE}"/>
+              </a:ext>
+            </a:extLst>
+          </p:cNvPr>
+          <p:cNvSpPr txBox="1"/>
+          <p:nvPr/>
+        </p:nvSpPr>
+        <p:spPr>
+          <a:xfrm>
+            <a:off x="8968767" y="821094"/>
+            <a:ext cx="2470564" cy="369332"/>
+          </a:xfrm>
+          <a:prstGeom prst="rect">
+            <a:avLst/>
+          </a:prstGeom>
+          <a:noFill/>
+        </p:spPr>
+        <p:txBody>
+          <a:bodyPr wrap="square" rtlCol="0">
+            <a:spAutoFit/>
+          </a:bodyPr>
+          <a:lstStyle/>
+          <a:p>
+            <a:r>
+              <a:rPr lang="en-DE" dirty="0"/>
+              <a:t>feedbackschleife</a:t>
+            </a:r>
+          </a:p>
+        </p:txBody>
+      </p:sp>
+    </p:spTree>
+    <p:extLst>
+      <p:ext uri="{BB962C8B-B14F-4D97-AF65-F5344CB8AC3E}">
+        <p14:creationId xmlns:p14="http://schemas.microsoft.com/office/powerpoint/2010/main" val="2407690514"/>
       </p:ext>
     </p:extLst>
   </p:cSld>

--- a/documentation/rlenv_overview.pptx
+++ b/documentation/rlenv_overview.pptx
@@ -8,6 +8,7 @@
     <p:sldId id="257" r:id="rId2"/>
     <p:sldId id="258" r:id="rId3"/>
     <p:sldId id="259" r:id="rId4"/>
+    <p:sldId id="260" r:id="rId5"/>
   </p:sldIdLst>
   <p:sldSz cx="18000663" cy="10799763"/>
   <p:notesSz cx="6858000" cy="9144000"/>
@@ -245,7 +246,7 @@
           <a:p>
             <a:fld id="{0E550D96-E6FF-3F47-ABB7-2D1ACEBDD4EE}" type="datetimeFigureOut">
               <a:rPr lang="en-DE" smtClean="0"/>
-              <a:t>28.06.22</a:t>
+              <a:t>05.07.22</a:t>
             </a:fld>
             <a:endParaRPr lang="en-DE"/>
           </a:p>
@@ -415,7 +416,7 @@
           <a:p>
             <a:fld id="{0E550D96-E6FF-3F47-ABB7-2D1ACEBDD4EE}" type="datetimeFigureOut">
               <a:rPr lang="en-DE" smtClean="0"/>
-              <a:t>28.06.22</a:t>
+              <a:t>05.07.22</a:t>
             </a:fld>
             <a:endParaRPr lang="en-DE"/>
           </a:p>
@@ -595,7 +596,7 @@
           <a:p>
             <a:fld id="{0E550D96-E6FF-3F47-ABB7-2D1ACEBDD4EE}" type="datetimeFigureOut">
               <a:rPr lang="en-DE" smtClean="0"/>
-              <a:t>28.06.22</a:t>
+              <a:t>05.07.22</a:t>
             </a:fld>
             <a:endParaRPr lang="en-DE"/>
           </a:p>
@@ -765,7 +766,7 @@
           <a:p>
             <a:fld id="{0E550D96-E6FF-3F47-ABB7-2D1ACEBDD4EE}" type="datetimeFigureOut">
               <a:rPr lang="en-DE" smtClean="0"/>
-              <a:t>28.06.22</a:t>
+              <a:t>05.07.22</a:t>
             </a:fld>
             <a:endParaRPr lang="en-DE"/>
           </a:p>
@@ -1011,7 +1012,7 @@
           <a:p>
             <a:fld id="{0E550D96-E6FF-3F47-ABB7-2D1ACEBDD4EE}" type="datetimeFigureOut">
               <a:rPr lang="en-DE" smtClean="0"/>
-              <a:t>28.06.22</a:t>
+              <a:t>05.07.22</a:t>
             </a:fld>
             <a:endParaRPr lang="en-DE"/>
           </a:p>
@@ -1243,7 +1244,7 @@
           <a:p>
             <a:fld id="{0E550D96-E6FF-3F47-ABB7-2D1ACEBDD4EE}" type="datetimeFigureOut">
               <a:rPr lang="en-DE" smtClean="0"/>
-              <a:t>28.06.22</a:t>
+              <a:t>05.07.22</a:t>
             </a:fld>
             <a:endParaRPr lang="en-DE"/>
           </a:p>
@@ -1610,7 +1611,7 @@
           <a:p>
             <a:fld id="{0E550D96-E6FF-3F47-ABB7-2D1ACEBDD4EE}" type="datetimeFigureOut">
               <a:rPr lang="en-DE" smtClean="0"/>
-              <a:t>28.06.22</a:t>
+              <a:t>05.07.22</a:t>
             </a:fld>
             <a:endParaRPr lang="en-DE"/>
           </a:p>
@@ -1728,7 +1729,7 @@
           <a:p>
             <a:fld id="{0E550D96-E6FF-3F47-ABB7-2D1ACEBDD4EE}" type="datetimeFigureOut">
               <a:rPr lang="en-DE" smtClean="0"/>
-              <a:t>28.06.22</a:t>
+              <a:t>05.07.22</a:t>
             </a:fld>
             <a:endParaRPr lang="en-DE"/>
           </a:p>
@@ -1823,7 +1824,7 @@
           <a:p>
             <a:fld id="{0E550D96-E6FF-3F47-ABB7-2D1ACEBDD4EE}" type="datetimeFigureOut">
               <a:rPr lang="en-DE" smtClean="0"/>
-              <a:t>28.06.22</a:t>
+              <a:t>05.07.22</a:t>
             </a:fld>
             <a:endParaRPr lang="en-DE"/>
           </a:p>
@@ -2100,7 +2101,7 @@
           <a:p>
             <a:fld id="{0E550D96-E6FF-3F47-ABB7-2D1ACEBDD4EE}" type="datetimeFigureOut">
               <a:rPr lang="en-DE" smtClean="0"/>
-              <a:t>28.06.22</a:t>
+              <a:t>05.07.22</a:t>
             </a:fld>
             <a:endParaRPr lang="en-DE"/>
           </a:p>
@@ -2357,7 +2358,7 @@
           <a:p>
             <a:fld id="{0E550D96-E6FF-3F47-ABB7-2D1ACEBDD4EE}" type="datetimeFigureOut">
               <a:rPr lang="en-DE" smtClean="0"/>
-              <a:t>28.06.22</a:t>
+              <a:t>05.07.22</a:t>
             </a:fld>
             <a:endParaRPr lang="en-DE"/>
           </a:p>
@@ -2570,7 +2571,7 @@
           <a:p>
             <a:fld id="{0E550D96-E6FF-3F47-ABB7-2D1ACEBDD4EE}" type="datetimeFigureOut">
               <a:rPr lang="en-DE" smtClean="0"/>
-              <a:t>28.06.22</a:t>
+              <a:t>05.07.22</a:t>
             </a:fld>
             <a:endParaRPr lang="en-DE"/>
           </a:p>
@@ -7397,6 +7398,503 @@
 </p:sld>
 </file>
 
+<file path=ppt/slides/slide4.xml><?xml version="1.0" encoding="utf-8"?>
+<p:sld xmlns:a="http://schemas.openxmlformats.org/drawingml/2006/main" xmlns:r="http://schemas.openxmlformats.org/officeDocument/2006/relationships" xmlns:p="http://schemas.openxmlformats.org/presentationml/2006/main">
+  <p:cSld>
+    <p:spTree>
+      <p:nvGrpSpPr>
+        <p:cNvPr id="1" name=""/>
+        <p:cNvGrpSpPr/>
+        <p:nvPr/>
+      </p:nvGrpSpPr>
+      <p:grpSpPr>
+        <a:xfrm>
+          <a:off x="0" y="0"/>
+          <a:ext cx="0" cy="0"/>
+          <a:chOff x="0" y="0"/>
+          <a:chExt cx="0" cy="0"/>
+        </a:xfrm>
+      </p:grpSpPr>
+      <p:sp>
+        <p:nvSpPr>
+          <p:cNvPr id="4" name="Rectangle 3">
+            <a:extLst>
+              <a:ext uri="{FF2B5EF4-FFF2-40B4-BE49-F238E27FC236}">
+                <a16:creationId xmlns:a16="http://schemas.microsoft.com/office/drawing/2014/main" id="{53A57E77-CC19-F24D-AD2B-06DECFE71894}"/>
+              </a:ext>
+            </a:extLst>
+          </p:cNvPr>
+          <p:cNvSpPr/>
+          <p:nvPr/>
+        </p:nvSpPr>
+        <p:spPr>
+          <a:xfrm>
+            <a:off x="2668556" y="2202024"/>
+            <a:ext cx="4534678" cy="1828799"/>
+          </a:xfrm>
+          <a:prstGeom prst="rect">
+            <a:avLst/>
+          </a:prstGeom>
+        </p:spPr>
+        <p:style>
+          <a:lnRef idx="2">
+            <a:schemeClr val="accent1">
+              <a:shade val="50000"/>
+            </a:schemeClr>
+          </a:lnRef>
+          <a:fillRef idx="1">
+            <a:schemeClr val="accent1"/>
+          </a:fillRef>
+          <a:effectRef idx="0">
+            <a:schemeClr val="accent1"/>
+          </a:effectRef>
+          <a:fontRef idx="minor">
+            <a:schemeClr val="lt1"/>
+          </a:fontRef>
+        </p:style>
+        <p:txBody>
+          <a:bodyPr rtlCol="0" anchor="ctr"/>
+          <a:lstStyle/>
+          <a:p>
+            <a:pPr algn="ctr"/>
+            <a:r>
+              <a:rPr lang="en-DE" dirty="0"/>
+              <a:t>TradingEnv</a:t>
+            </a:r>
+          </a:p>
+        </p:txBody>
+      </p:sp>
+      <p:sp>
+        <p:nvSpPr>
+          <p:cNvPr id="5" name="Rectangle 4">
+            <a:extLst>
+              <a:ext uri="{FF2B5EF4-FFF2-40B4-BE49-F238E27FC236}">
+                <a16:creationId xmlns:a16="http://schemas.microsoft.com/office/drawing/2014/main" id="{C63205D5-D89C-AB46-9EBB-3688F5A05001}"/>
+              </a:ext>
+            </a:extLst>
+          </p:cNvPr>
+          <p:cNvSpPr/>
+          <p:nvPr/>
+        </p:nvSpPr>
+        <p:spPr>
+          <a:xfrm>
+            <a:off x="10554836" y="2202024"/>
+            <a:ext cx="4534678" cy="1828799"/>
+          </a:xfrm>
+          <a:prstGeom prst="rect">
+            <a:avLst/>
+          </a:prstGeom>
+        </p:spPr>
+        <p:style>
+          <a:lnRef idx="2">
+            <a:schemeClr val="accent1">
+              <a:shade val="50000"/>
+            </a:schemeClr>
+          </a:lnRef>
+          <a:fillRef idx="1">
+            <a:schemeClr val="accent1"/>
+          </a:fillRef>
+          <a:effectRef idx="0">
+            <a:schemeClr val="accent1"/>
+          </a:effectRef>
+          <a:fontRef idx="minor">
+            <a:schemeClr val="lt1"/>
+          </a:fontRef>
+        </p:style>
+        <p:txBody>
+          <a:bodyPr rtlCol="0" anchor="ctr"/>
+          <a:lstStyle/>
+          <a:p>
+            <a:pPr algn="ctr"/>
+            <a:r>
+              <a:rPr lang="en-DE" dirty="0"/>
+              <a:t>Model/Agent</a:t>
+            </a:r>
+          </a:p>
+        </p:txBody>
+      </p:sp>
+      <p:sp>
+        <p:nvSpPr>
+          <p:cNvPr id="6" name="Rectangle 5">
+            <a:extLst>
+              <a:ext uri="{FF2B5EF4-FFF2-40B4-BE49-F238E27FC236}">
+                <a16:creationId xmlns:a16="http://schemas.microsoft.com/office/drawing/2014/main" id="{95BA776E-78BE-9E48-9D43-49C8A987DCBB}"/>
+              </a:ext>
+            </a:extLst>
+          </p:cNvPr>
+          <p:cNvSpPr/>
+          <p:nvPr/>
+        </p:nvSpPr>
+        <p:spPr>
+          <a:xfrm>
+            <a:off x="6139542" y="5430416"/>
+            <a:ext cx="2612571" cy="1082351"/>
+          </a:xfrm>
+          <a:prstGeom prst="rect">
+            <a:avLst/>
+          </a:prstGeom>
+        </p:spPr>
+        <p:style>
+          <a:lnRef idx="2">
+            <a:schemeClr val="accent1">
+              <a:shade val="50000"/>
+            </a:schemeClr>
+          </a:lnRef>
+          <a:fillRef idx="1">
+            <a:schemeClr val="accent1"/>
+          </a:fillRef>
+          <a:effectRef idx="0">
+            <a:schemeClr val="accent1"/>
+          </a:effectRef>
+          <a:fontRef idx="minor">
+            <a:schemeClr val="lt1"/>
+          </a:fontRef>
+        </p:style>
+        <p:txBody>
+          <a:bodyPr rtlCol="0" anchor="ctr"/>
+          <a:lstStyle/>
+          <a:p>
+            <a:pPr algn="ctr"/>
+            <a:r>
+              <a:rPr lang="en-DE" dirty="0"/>
+              <a:t>AentInterface</a:t>
+            </a:r>
+          </a:p>
+        </p:txBody>
+      </p:sp>
+      <p:sp>
+        <p:nvSpPr>
+          <p:cNvPr id="7" name="Rectangle 6">
+            <a:extLst>
+              <a:ext uri="{FF2B5EF4-FFF2-40B4-BE49-F238E27FC236}">
+                <a16:creationId xmlns:a16="http://schemas.microsoft.com/office/drawing/2014/main" id="{571F7CFB-C221-9A46-B625-315608A896C8}"/>
+              </a:ext>
+            </a:extLst>
+          </p:cNvPr>
+          <p:cNvSpPr/>
+          <p:nvPr/>
+        </p:nvSpPr>
+        <p:spPr>
+          <a:xfrm>
+            <a:off x="1122784" y="5430416"/>
+            <a:ext cx="2612571" cy="1082351"/>
+          </a:xfrm>
+          <a:prstGeom prst="rect">
+            <a:avLst/>
+          </a:prstGeom>
+        </p:spPr>
+        <p:style>
+          <a:lnRef idx="2">
+            <a:schemeClr val="accent1">
+              <a:shade val="50000"/>
+            </a:schemeClr>
+          </a:lnRef>
+          <a:fillRef idx="1">
+            <a:schemeClr val="accent1"/>
+          </a:fillRef>
+          <a:effectRef idx="0">
+            <a:schemeClr val="accent1"/>
+          </a:effectRef>
+          <a:fontRef idx="minor">
+            <a:schemeClr val="lt1"/>
+          </a:fontRef>
+        </p:style>
+        <p:txBody>
+          <a:bodyPr rtlCol="0" anchor="ctr"/>
+          <a:lstStyle/>
+          <a:p>
+            <a:pPr algn="ctr"/>
+            <a:r>
+              <a:rPr lang="en-DE" dirty="0"/>
+              <a:t>Replay</a:t>
+            </a:r>
+          </a:p>
+        </p:txBody>
+      </p:sp>
+      <p:cxnSp>
+        <p:nvCxnSpPr>
+          <p:cNvPr id="9" name="Straight Arrow Connector 8">
+            <a:extLst>
+              <a:ext uri="{FF2B5EF4-FFF2-40B4-BE49-F238E27FC236}">
+                <a16:creationId xmlns:a16="http://schemas.microsoft.com/office/drawing/2014/main" id="{2EC9B9E2-4D71-B54E-9486-7CCAD9057E10}"/>
+              </a:ext>
+            </a:extLst>
+          </p:cNvPr>
+          <p:cNvCxnSpPr>
+            <a:stCxn id="4" idx="2"/>
+            <a:endCxn id="6" idx="0"/>
+          </p:cNvCxnSpPr>
+          <p:nvPr/>
+        </p:nvCxnSpPr>
+        <p:spPr>
+          <a:xfrm>
+            <a:off x="4935895" y="4030823"/>
+            <a:ext cx="2509933" cy="1399593"/>
+          </a:xfrm>
+          <a:prstGeom prst="straightConnector1">
+            <a:avLst/>
+          </a:prstGeom>
+          <a:ln>
+            <a:tailEnd type="triangle"/>
+          </a:ln>
+        </p:spPr>
+        <p:style>
+          <a:lnRef idx="1">
+            <a:schemeClr val="accent1"/>
+          </a:lnRef>
+          <a:fillRef idx="0">
+            <a:schemeClr val="accent1"/>
+          </a:fillRef>
+          <a:effectRef idx="0">
+            <a:schemeClr val="accent1"/>
+          </a:effectRef>
+          <a:fontRef idx="minor">
+            <a:schemeClr val="tx1"/>
+          </a:fontRef>
+        </p:style>
+      </p:cxnSp>
+      <p:cxnSp>
+        <p:nvCxnSpPr>
+          <p:cNvPr id="11" name="Straight Arrow Connector 10">
+            <a:extLst>
+              <a:ext uri="{FF2B5EF4-FFF2-40B4-BE49-F238E27FC236}">
+                <a16:creationId xmlns:a16="http://schemas.microsoft.com/office/drawing/2014/main" id="{55039331-9E17-B04B-9CC9-B97E10203B7B}"/>
+              </a:ext>
+            </a:extLst>
+          </p:cNvPr>
+          <p:cNvCxnSpPr>
+            <a:stCxn id="4" idx="2"/>
+            <a:endCxn id="7" idx="0"/>
+          </p:cNvCxnSpPr>
+          <p:nvPr/>
+        </p:nvCxnSpPr>
+        <p:spPr>
+          <a:xfrm flipH="1">
+            <a:off x="2429070" y="4030823"/>
+            <a:ext cx="2506825" cy="1399593"/>
+          </a:xfrm>
+          <a:prstGeom prst="straightConnector1">
+            <a:avLst/>
+          </a:prstGeom>
+          <a:ln>
+            <a:tailEnd type="triangle"/>
+          </a:ln>
+        </p:spPr>
+        <p:style>
+          <a:lnRef idx="1">
+            <a:schemeClr val="accent1"/>
+          </a:lnRef>
+          <a:fillRef idx="0">
+            <a:schemeClr val="accent1"/>
+          </a:fillRef>
+          <a:effectRef idx="0">
+            <a:schemeClr val="accent1"/>
+          </a:effectRef>
+          <a:fontRef idx="minor">
+            <a:schemeClr val="tx1"/>
+          </a:fontRef>
+        </p:style>
+      </p:cxnSp>
+      <p:cxnSp>
+        <p:nvCxnSpPr>
+          <p:cNvPr id="13" name="Straight Arrow Connector 12">
+            <a:extLst>
+              <a:ext uri="{FF2B5EF4-FFF2-40B4-BE49-F238E27FC236}">
+                <a16:creationId xmlns:a16="http://schemas.microsoft.com/office/drawing/2014/main" id="{FB791EEE-1E36-F14E-A55E-6C42898A69AA}"/>
+              </a:ext>
+            </a:extLst>
+          </p:cNvPr>
+          <p:cNvCxnSpPr/>
+          <p:nvPr/>
+        </p:nvCxnSpPr>
+        <p:spPr>
+          <a:xfrm flipH="1">
+            <a:off x="7203234" y="2537927"/>
+            <a:ext cx="3351602" cy="0"/>
+          </a:xfrm>
+          <a:prstGeom prst="straightConnector1">
+            <a:avLst/>
+          </a:prstGeom>
+          <a:ln>
+            <a:tailEnd type="triangle"/>
+          </a:ln>
+        </p:spPr>
+        <p:style>
+          <a:lnRef idx="1">
+            <a:schemeClr val="accent1"/>
+          </a:lnRef>
+          <a:fillRef idx="0">
+            <a:schemeClr val="accent1"/>
+          </a:fillRef>
+          <a:effectRef idx="0">
+            <a:schemeClr val="accent1"/>
+          </a:effectRef>
+          <a:fontRef idx="minor">
+            <a:schemeClr val="tx1"/>
+          </a:fontRef>
+        </p:style>
+      </p:cxnSp>
+      <p:cxnSp>
+        <p:nvCxnSpPr>
+          <p:cNvPr id="15" name="Straight Arrow Connector 14">
+            <a:extLst>
+              <a:ext uri="{FF2B5EF4-FFF2-40B4-BE49-F238E27FC236}">
+                <a16:creationId xmlns:a16="http://schemas.microsoft.com/office/drawing/2014/main" id="{282D5F3C-56BE-194E-A0B2-7FA42A896327}"/>
+              </a:ext>
+            </a:extLst>
+          </p:cNvPr>
+          <p:cNvCxnSpPr/>
+          <p:nvPr/>
+        </p:nvCxnSpPr>
+        <p:spPr>
+          <a:xfrm>
+            <a:off x="7203234" y="3470988"/>
+            <a:ext cx="3351602" cy="0"/>
+          </a:xfrm>
+          <a:prstGeom prst="straightConnector1">
+            <a:avLst/>
+          </a:prstGeom>
+          <a:ln>
+            <a:tailEnd type="triangle"/>
+          </a:ln>
+        </p:spPr>
+        <p:style>
+          <a:lnRef idx="1">
+            <a:schemeClr val="accent1"/>
+          </a:lnRef>
+          <a:fillRef idx="0">
+            <a:schemeClr val="accent1"/>
+          </a:fillRef>
+          <a:effectRef idx="0">
+            <a:schemeClr val="accent1"/>
+          </a:effectRef>
+          <a:fontRef idx="minor">
+            <a:schemeClr val="tx1"/>
+          </a:fontRef>
+        </p:style>
+      </p:cxnSp>
+      <p:sp>
+        <p:nvSpPr>
+          <p:cNvPr id="16" name="TextBox 15">
+            <a:extLst>
+              <a:ext uri="{FF2B5EF4-FFF2-40B4-BE49-F238E27FC236}">
+                <a16:creationId xmlns:a16="http://schemas.microsoft.com/office/drawing/2014/main" id="{17D7EBCD-3066-BE41-B4E9-D43888AEEE03}"/>
+              </a:ext>
+            </a:extLst>
+          </p:cNvPr>
+          <p:cNvSpPr txBox="1"/>
+          <p:nvPr/>
+        </p:nvSpPr>
+        <p:spPr>
+          <a:xfrm>
+            <a:off x="8360229" y="2217194"/>
+            <a:ext cx="2668554" cy="369332"/>
+          </a:xfrm>
+          <a:prstGeom prst="rect">
+            <a:avLst/>
+          </a:prstGeom>
+          <a:noFill/>
+        </p:spPr>
+        <p:txBody>
+          <a:bodyPr wrap="square" rtlCol="0">
+            <a:spAutoFit/>
+          </a:bodyPr>
+          <a:lstStyle/>
+          <a:p>
+            <a:r>
+              <a:rPr lang="en-DE" dirty="0"/>
+              <a:t>action</a:t>
+            </a:r>
+          </a:p>
+        </p:txBody>
+      </p:sp>
+      <p:sp>
+        <p:nvSpPr>
+          <p:cNvPr id="17" name="TextBox 16">
+            <a:extLst>
+              <a:ext uri="{FF2B5EF4-FFF2-40B4-BE49-F238E27FC236}">
+                <a16:creationId xmlns:a16="http://schemas.microsoft.com/office/drawing/2014/main" id="{4C3D11B9-8DC8-184E-90CB-624BD6872F2B}"/>
+              </a:ext>
+            </a:extLst>
+          </p:cNvPr>
+          <p:cNvSpPr txBox="1"/>
+          <p:nvPr/>
+        </p:nvSpPr>
+        <p:spPr>
+          <a:xfrm>
+            <a:off x="7526094" y="3124008"/>
+            <a:ext cx="2948474" cy="369332"/>
+          </a:xfrm>
+          <a:prstGeom prst="rect">
+            <a:avLst/>
+          </a:prstGeom>
+          <a:noFill/>
+        </p:spPr>
+        <p:txBody>
+          <a:bodyPr wrap="square" rtlCol="0">
+            <a:spAutoFit/>
+          </a:bodyPr>
+          <a:lstStyle/>
+          <a:p>
+            <a:r>
+              <a:rPr lang="en-GB" dirty="0"/>
+              <a:t>O</a:t>
+            </a:r>
+            <a:r>
+              <a:rPr lang="en-DE" dirty="0"/>
+              <a:t>bservation, reward, done</a:t>
+            </a:r>
+          </a:p>
+        </p:txBody>
+      </p:sp>
+      <p:sp>
+        <p:nvSpPr>
+          <p:cNvPr id="18" name="TextBox 17">
+            <a:extLst>
+              <a:ext uri="{FF2B5EF4-FFF2-40B4-BE49-F238E27FC236}">
+                <a16:creationId xmlns:a16="http://schemas.microsoft.com/office/drawing/2014/main" id="{F052979D-6F3E-B644-B122-50C2E0536188}"/>
+              </a:ext>
+            </a:extLst>
+          </p:cNvPr>
+          <p:cNvSpPr txBox="1"/>
+          <p:nvPr/>
+        </p:nvSpPr>
+        <p:spPr>
+          <a:xfrm>
+            <a:off x="6341708" y="4501250"/>
+            <a:ext cx="2202024" cy="369332"/>
+          </a:xfrm>
+          <a:prstGeom prst="rect">
+            <a:avLst/>
+          </a:prstGeom>
+          <a:noFill/>
+        </p:spPr>
+        <p:txBody>
+          <a:bodyPr wrap="square" rtlCol="0">
+            <a:spAutoFit/>
+          </a:bodyPr>
+          <a:lstStyle/>
+          <a:p>
+            <a:r>
+              <a:rPr lang="en-DE" dirty="0"/>
+              <a:t>action</a:t>
+            </a:r>
+          </a:p>
+        </p:txBody>
+      </p:sp>
+    </p:spTree>
+    <p:extLst>
+      <p:ext uri="{BB962C8B-B14F-4D97-AF65-F5344CB8AC3E}">
+        <p14:creationId xmlns:p14="http://schemas.microsoft.com/office/powerpoint/2010/main" val="2280176063"/>
+      </p:ext>
+    </p:extLst>
+  </p:cSld>
+  <p:clrMapOvr>
+    <a:masterClrMapping/>
+  </p:clrMapOvr>
+</p:sld>
+</file>
+
 <file path=ppt/theme/theme1.xml><?xml version="1.0" encoding="utf-8"?>
 <a:theme xmlns:a="http://schemas.openxmlformats.org/drawingml/2006/main" name="Office Theme">
   <a:themeElements>

--- a/documentation/rlenv_overview.pptx
+++ b/documentation/rlenv_overview.pptx
@@ -9,6 +9,7 @@
     <p:sldId id="258" r:id="rId3"/>
     <p:sldId id="259" r:id="rId4"/>
     <p:sldId id="260" r:id="rId5"/>
+    <p:sldId id="261" r:id="rId6"/>
   </p:sldIdLst>
   <p:sldSz cx="18000663" cy="10799763"/>
   <p:notesSz cx="6858000" cy="9144000"/>
@@ -246,7 +247,7 @@
           <a:p>
             <a:fld id="{0E550D96-E6FF-3F47-ABB7-2D1ACEBDD4EE}" type="datetimeFigureOut">
               <a:rPr lang="en-DE" smtClean="0"/>
-              <a:t>05.07.22</a:t>
+              <a:t>11.07.22</a:t>
             </a:fld>
             <a:endParaRPr lang="en-DE"/>
           </a:p>
@@ -416,7 +417,7 @@
           <a:p>
             <a:fld id="{0E550D96-E6FF-3F47-ABB7-2D1ACEBDD4EE}" type="datetimeFigureOut">
               <a:rPr lang="en-DE" smtClean="0"/>
-              <a:t>05.07.22</a:t>
+              <a:t>11.07.22</a:t>
             </a:fld>
             <a:endParaRPr lang="en-DE"/>
           </a:p>
@@ -596,7 +597,7 @@
           <a:p>
             <a:fld id="{0E550D96-E6FF-3F47-ABB7-2D1ACEBDD4EE}" type="datetimeFigureOut">
               <a:rPr lang="en-DE" smtClean="0"/>
-              <a:t>05.07.22</a:t>
+              <a:t>11.07.22</a:t>
             </a:fld>
             <a:endParaRPr lang="en-DE"/>
           </a:p>
@@ -766,7 +767,7 @@
           <a:p>
             <a:fld id="{0E550D96-E6FF-3F47-ABB7-2D1ACEBDD4EE}" type="datetimeFigureOut">
               <a:rPr lang="en-DE" smtClean="0"/>
-              <a:t>05.07.22</a:t>
+              <a:t>11.07.22</a:t>
             </a:fld>
             <a:endParaRPr lang="en-DE"/>
           </a:p>
@@ -1012,7 +1013,7 @@
           <a:p>
             <a:fld id="{0E550D96-E6FF-3F47-ABB7-2D1ACEBDD4EE}" type="datetimeFigureOut">
               <a:rPr lang="en-DE" smtClean="0"/>
-              <a:t>05.07.22</a:t>
+              <a:t>11.07.22</a:t>
             </a:fld>
             <a:endParaRPr lang="en-DE"/>
           </a:p>
@@ -1244,7 +1245,7 @@
           <a:p>
             <a:fld id="{0E550D96-E6FF-3F47-ABB7-2D1ACEBDD4EE}" type="datetimeFigureOut">
               <a:rPr lang="en-DE" smtClean="0"/>
-              <a:t>05.07.22</a:t>
+              <a:t>11.07.22</a:t>
             </a:fld>
             <a:endParaRPr lang="en-DE"/>
           </a:p>
@@ -1611,7 +1612,7 @@
           <a:p>
             <a:fld id="{0E550D96-E6FF-3F47-ABB7-2D1ACEBDD4EE}" type="datetimeFigureOut">
               <a:rPr lang="en-DE" smtClean="0"/>
-              <a:t>05.07.22</a:t>
+              <a:t>11.07.22</a:t>
             </a:fld>
             <a:endParaRPr lang="en-DE"/>
           </a:p>
@@ -1729,7 +1730,7 @@
           <a:p>
             <a:fld id="{0E550D96-E6FF-3F47-ABB7-2D1ACEBDD4EE}" type="datetimeFigureOut">
               <a:rPr lang="en-DE" smtClean="0"/>
-              <a:t>05.07.22</a:t>
+              <a:t>11.07.22</a:t>
             </a:fld>
             <a:endParaRPr lang="en-DE"/>
           </a:p>
@@ -1824,7 +1825,7 @@
           <a:p>
             <a:fld id="{0E550D96-E6FF-3F47-ABB7-2D1ACEBDD4EE}" type="datetimeFigureOut">
               <a:rPr lang="en-DE" smtClean="0"/>
-              <a:t>05.07.22</a:t>
+              <a:t>11.07.22</a:t>
             </a:fld>
             <a:endParaRPr lang="en-DE"/>
           </a:p>
@@ -2101,7 +2102,7 @@
           <a:p>
             <a:fld id="{0E550D96-E6FF-3F47-ABB7-2D1ACEBDD4EE}" type="datetimeFigureOut">
               <a:rPr lang="en-DE" smtClean="0"/>
-              <a:t>05.07.22</a:t>
+              <a:t>11.07.22</a:t>
             </a:fld>
             <a:endParaRPr lang="en-DE"/>
           </a:p>
@@ -2358,7 +2359,7 @@
           <a:p>
             <a:fld id="{0E550D96-E6FF-3F47-ABB7-2D1ACEBDD4EE}" type="datetimeFigureOut">
               <a:rPr lang="en-DE" smtClean="0"/>
-              <a:t>05.07.22</a:t>
+              <a:t>11.07.22</a:t>
             </a:fld>
             <a:endParaRPr lang="en-DE"/>
           </a:p>
@@ -2571,7 +2572,7 @@
           <a:p>
             <a:fld id="{0E550D96-E6FF-3F47-ABB7-2D1ACEBDD4EE}" type="datetimeFigureOut">
               <a:rPr lang="en-DE" smtClean="0"/>
-              <a:t>05.07.22</a:t>
+              <a:t>11.07.22</a:t>
             </a:fld>
             <a:endParaRPr lang="en-DE"/>
           </a:p>
@@ -7895,6 +7896,1595 @@
 </p:sld>
 </file>
 
+<file path=ppt/slides/slide5.xml><?xml version="1.0" encoding="utf-8"?>
+<p:sld xmlns:a="http://schemas.openxmlformats.org/drawingml/2006/main" xmlns:r="http://schemas.openxmlformats.org/officeDocument/2006/relationships" xmlns:p="http://schemas.openxmlformats.org/presentationml/2006/main">
+  <p:cSld>
+    <p:spTree>
+      <p:nvGrpSpPr>
+        <p:cNvPr id="1" name=""/>
+        <p:cNvGrpSpPr/>
+        <p:nvPr/>
+      </p:nvGrpSpPr>
+      <p:grpSpPr>
+        <a:xfrm>
+          <a:off x="0" y="0"/>
+          <a:ext cx="0" cy="0"/>
+          <a:chOff x="0" y="0"/>
+          <a:chExt cx="0" cy="0"/>
+        </a:xfrm>
+      </p:grpSpPr>
+      <p:sp>
+        <p:nvSpPr>
+          <p:cNvPr id="4" name="Rectangle 3">
+            <a:extLst>
+              <a:ext uri="{FF2B5EF4-FFF2-40B4-BE49-F238E27FC236}">
+                <a16:creationId xmlns:a16="http://schemas.microsoft.com/office/drawing/2014/main" id="{9097DC0E-B4DA-814D-8B58-77268D2A8E40}"/>
+              </a:ext>
+            </a:extLst>
+          </p:cNvPr>
+          <p:cNvSpPr/>
+          <p:nvPr/>
+        </p:nvSpPr>
+        <p:spPr>
+          <a:xfrm>
+            <a:off x="7869362" y="1996096"/>
+            <a:ext cx="2261937" cy="622800"/>
+          </a:xfrm>
+          <a:prstGeom prst="rect">
+            <a:avLst/>
+          </a:prstGeom>
+        </p:spPr>
+        <p:style>
+          <a:lnRef idx="2">
+            <a:schemeClr val="accent1">
+              <a:shade val="50000"/>
+            </a:schemeClr>
+          </a:lnRef>
+          <a:fillRef idx="1">
+            <a:schemeClr val="accent1"/>
+          </a:fillRef>
+          <a:effectRef idx="0">
+            <a:schemeClr val="accent1"/>
+          </a:effectRef>
+          <a:fontRef idx="minor">
+            <a:schemeClr val="lt1"/>
+          </a:fontRef>
+        </p:style>
+        <p:txBody>
+          <a:bodyPr rtlCol="0" anchor="ctr"/>
+          <a:lstStyle/>
+          <a:p>
+            <a:pPr algn="ctr"/>
+            <a:r>
+              <a:rPr lang="en-DE" dirty="0"/>
+              <a:t>TradingEnvironment</a:t>
+            </a:r>
+          </a:p>
+        </p:txBody>
+      </p:sp>
+      <p:sp>
+        <p:nvSpPr>
+          <p:cNvPr id="5" name="Rectangle 4">
+            <a:extLst>
+              <a:ext uri="{FF2B5EF4-FFF2-40B4-BE49-F238E27FC236}">
+                <a16:creationId xmlns:a16="http://schemas.microsoft.com/office/drawing/2014/main" id="{50226381-5EC6-D745-B652-3764E364D067}"/>
+              </a:ext>
+            </a:extLst>
+          </p:cNvPr>
+          <p:cNvSpPr/>
+          <p:nvPr/>
+        </p:nvSpPr>
+        <p:spPr>
+          <a:xfrm>
+            <a:off x="11733653" y="4777081"/>
+            <a:ext cx="2261937" cy="622800"/>
+          </a:xfrm>
+          <a:prstGeom prst="rect">
+            <a:avLst/>
+          </a:prstGeom>
+        </p:spPr>
+        <p:style>
+          <a:lnRef idx="2">
+            <a:schemeClr val="accent1">
+              <a:shade val="50000"/>
+            </a:schemeClr>
+          </a:lnRef>
+          <a:fillRef idx="1">
+            <a:schemeClr val="accent1"/>
+          </a:fillRef>
+          <a:effectRef idx="0">
+            <a:schemeClr val="accent1"/>
+          </a:effectRef>
+          <a:fontRef idx="minor">
+            <a:schemeClr val="lt1"/>
+          </a:fontRef>
+        </p:style>
+        <p:txBody>
+          <a:bodyPr rtlCol="0" anchor="ctr"/>
+          <a:lstStyle/>
+          <a:p>
+            <a:pPr algn="ctr"/>
+            <a:r>
+              <a:rPr lang="en-DE" dirty="0"/>
+              <a:t>MarketInterface</a:t>
+            </a:r>
+          </a:p>
+        </p:txBody>
+      </p:sp>
+      <p:sp>
+        <p:nvSpPr>
+          <p:cNvPr id="6" name="Rectangle 5">
+            <a:extLst>
+              <a:ext uri="{FF2B5EF4-FFF2-40B4-BE49-F238E27FC236}">
+                <a16:creationId xmlns:a16="http://schemas.microsoft.com/office/drawing/2014/main" id="{11AB0EF2-C1A3-EE46-ABFB-211EC9494A86}"/>
+              </a:ext>
+            </a:extLst>
+          </p:cNvPr>
+          <p:cNvSpPr/>
+          <p:nvPr/>
+        </p:nvSpPr>
+        <p:spPr>
+          <a:xfrm>
+            <a:off x="7869361" y="8803667"/>
+            <a:ext cx="2261937" cy="622800"/>
+          </a:xfrm>
+          <a:prstGeom prst="rect">
+            <a:avLst/>
+          </a:prstGeom>
+        </p:spPr>
+        <p:style>
+          <a:lnRef idx="2">
+            <a:schemeClr val="accent1">
+              <a:shade val="50000"/>
+            </a:schemeClr>
+          </a:lnRef>
+          <a:fillRef idx="1">
+            <a:schemeClr val="accent1"/>
+          </a:fillRef>
+          <a:effectRef idx="0">
+            <a:schemeClr val="accent1"/>
+          </a:effectRef>
+          <a:fontRef idx="minor">
+            <a:schemeClr val="lt1"/>
+          </a:fontRef>
+        </p:style>
+        <p:txBody>
+          <a:bodyPr rtlCol="0" anchor="ctr"/>
+          <a:lstStyle/>
+          <a:p>
+            <a:pPr algn="ctr"/>
+            <a:r>
+              <a:rPr lang="en-DE" dirty="0"/>
+              <a:t>MarketState</a:t>
+            </a:r>
+          </a:p>
+        </p:txBody>
+      </p:sp>
+      <p:sp>
+        <p:nvSpPr>
+          <p:cNvPr id="7" name="Rectangle 6">
+            <a:extLst>
+              <a:ext uri="{FF2B5EF4-FFF2-40B4-BE49-F238E27FC236}">
+                <a16:creationId xmlns:a16="http://schemas.microsoft.com/office/drawing/2014/main" id="{5ADC389A-77EA-234D-A276-55E7ED2A0581}"/>
+              </a:ext>
+            </a:extLst>
+          </p:cNvPr>
+          <p:cNvSpPr/>
+          <p:nvPr/>
+        </p:nvSpPr>
+        <p:spPr>
+          <a:xfrm>
+            <a:off x="11733653" y="8803667"/>
+            <a:ext cx="2261937" cy="622800"/>
+          </a:xfrm>
+          <a:prstGeom prst="rect">
+            <a:avLst/>
+          </a:prstGeom>
+        </p:spPr>
+        <p:style>
+          <a:lnRef idx="2">
+            <a:schemeClr val="accent1">
+              <a:shade val="50000"/>
+            </a:schemeClr>
+          </a:lnRef>
+          <a:fillRef idx="1">
+            <a:schemeClr val="accent1"/>
+          </a:fillRef>
+          <a:effectRef idx="0">
+            <a:schemeClr val="accent1"/>
+          </a:effectRef>
+          <a:fontRef idx="minor">
+            <a:schemeClr val="lt1"/>
+          </a:fontRef>
+        </p:style>
+        <p:txBody>
+          <a:bodyPr rtlCol="0" anchor="ctr"/>
+          <a:lstStyle/>
+          <a:p>
+            <a:pPr algn="ctr"/>
+            <a:r>
+              <a:rPr lang="en-DE" dirty="0"/>
+              <a:t>Trade</a:t>
+            </a:r>
+          </a:p>
+        </p:txBody>
+      </p:sp>
+      <p:sp>
+        <p:nvSpPr>
+          <p:cNvPr id="8" name="Rectangle 7">
+            <a:extLst>
+              <a:ext uri="{FF2B5EF4-FFF2-40B4-BE49-F238E27FC236}">
+                <a16:creationId xmlns:a16="http://schemas.microsoft.com/office/drawing/2014/main" id="{2B8E83D8-8103-1547-B926-414B4E3BA53C}"/>
+              </a:ext>
+            </a:extLst>
+          </p:cNvPr>
+          <p:cNvSpPr/>
+          <p:nvPr/>
+        </p:nvSpPr>
+        <p:spPr>
+          <a:xfrm>
+            <a:off x="4005069" y="8803667"/>
+            <a:ext cx="2261937" cy="622800"/>
+          </a:xfrm>
+          <a:prstGeom prst="rect">
+            <a:avLst/>
+          </a:prstGeom>
+        </p:spPr>
+        <p:style>
+          <a:lnRef idx="2">
+            <a:schemeClr val="accent1">
+              <a:shade val="50000"/>
+            </a:schemeClr>
+          </a:lnRef>
+          <a:fillRef idx="1">
+            <a:schemeClr val="accent1"/>
+          </a:fillRef>
+          <a:effectRef idx="0">
+            <a:schemeClr val="accent1"/>
+          </a:effectRef>
+          <a:fontRef idx="minor">
+            <a:schemeClr val="lt1"/>
+          </a:fontRef>
+        </p:style>
+        <p:txBody>
+          <a:bodyPr rtlCol="0" anchor="ctr"/>
+          <a:lstStyle/>
+          <a:p>
+            <a:pPr algn="ctr"/>
+            <a:r>
+              <a:rPr lang="en-DE" dirty="0"/>
+              <a:t>Order</a:t>
+            </a:r>
+          </a:p>
+        </p:txBody>
+      </p:sp>
+      <p:sp>
+        <p:nvSpPr>
+          <p:cNvPr id="9" name="Rectangle 8">
+            <a:extLst>
+              <a:ext uri="{FF2B5EF4-FFF2-40B4-BE49-F238E27FC236}">
+                <a16:creationId xmlns:a16="http://schemas.microsoft.com/office/drawing/2014/main" id="{067E57DC-00DE-1745-AFB9-986715B63929}"/>
+              </a:ext>
+            </a:extLst>
+          </p:cNvPr>
+          <p:cNvSpPr/>
+          <p:nvPr/>
+        </p:nvSpPr>
+        <p:spPr>
+          <a:xfrm>
+            <a:off x="3998684" y="5088481"/>
+            <a:ext cx="2261937" cy="622800"/>
+          </a:xfrm>
+          <a:prstGeom prst="rect">
+            <a:avLst/>
+          </a:prstGeom>
+        </p:spPr>
+        <p:style>
+          <a:lnRef idx="2">
+            <a:schemeClr val="accent1">
+              <a:shade val="50000"/>
+            </a:schemeClr>
+          </a:lnRef>
+          <a:fillRef idx="1">
+            <a:schemeClr val="accent1"/>
+          </a:fillRef>
+          <a:effectRef idx="0">
+            <a:schemeClr val="accent1"/>
+          </a:effectRef>
+          <a:fontRef idx="minor">
+            <a:schemeClr val="lt1"/>
+          </a:fontRef>
+        </p:style>
+        <p:txBody>
+          <a:bodyPr rtlCol="0" anchor="ctr"/>
+          <a:lstStyle/>
+          <a:p>
+            <a:pPr algn="ctr"/>
+            <a:r>
+              <a:rPr lang="en-DE" dirty="0"/>
+              <a:t>Replay</a:t>
+            </a:r>
+          </a:p>
+        </p:txBody>
+      </p:sp>
+      <p:sp>
+        <p:nvSpPr>
+          <p:cNvPr id="10" name="Rectangle 9">
+            <a:extLst>
+              <a:ext uri="{FF2B5EF4-FFF2-40B4-BE49-F238E27FC236}">
+                <a16:creationId xmlns:a16="http://schemas.microsoft.com/office/drawing/2014/main" id="{1E436D00-5B71-6448-B68A-AE35E6C3B8BC}"/>
+              </a:ext>
+            </a:extLst>
+          </p:cNvPr>
+          <p:cNvSpPr/>
+          <p:nvPr/>
+        </p:nvSpPr>
+        <p:spPr>
+          <a:xfrm>
+            <a:off x="2182348" y="5203938"/>
+            <a:ext cx="1240972" cy="391886"/>
+          </a:xfrm>
+          <a:prstGeom prst="rect">
+            <a:avLst/>
+          </a:prstGeom>
+        </p:spPr>
+        <p:style>
+          <a:lnRef idx="2">
+            <a:schemeClr val="accent1">
+              <a:shade val="50000"/>
+            </a:schemeClr>
+          </a:lnRef>
+          <a:fillRef idx="1">
+            <a:schemeClr val="accent1"/>
+          </a:fillRef>
+          <a:effectRef idx="0">
+            <a:schemeClr val="accent1"/>
+          </a:effectRef>
+          <a:fontRef idx="minor">
+            <a:schemeClr val="lt1"/>
+          </a:fontRef>
+        </p:style>
+        <p:txBody>
+          <a:bodyPr rtlCol="0" anchor="ctr"/>
+          <a:lstStyle/>
+          <a:p>
+            <a:pPr algn="ctr"/>
+            <a:r>
+              <a:rPr lang="en-DE" dirty="0"/>
+              <a:t>Episode</a:t>
+            </a:r>
+          </a:p>
+        </p:txBody>
+      </p:sp>
+      <p:sp>
+        <p:nvSpPr>
+          <p:cNvPr id="11" name="Can 10">
+            <a:extLst>
+              <a:ext uri="{FF2B5EF4-FFF2-40B4-BE49-F238E27FC236}">
+                <a16:creationId xmlns:a16="http://schemas.microsoft.com/office/drawing/2014/main" id="{A3EFF4A9-34AA-104D-B54E-0D79DD0E44A1}"/>
+              </a:ext>
+            </a:extLst>
+          </p:cNvPr>
+          <p:cNvSpPr/>
+          <p:nvPr/>
+        </p:nvSpPr>
+        <p:spPr>
+          <a:xfrm>
+            <a:off x="911245" y="5146209"/>
+            <a:ext cx="695739" cy="507343"/>
+          </a:xfrm>
+          <a:prstGeom prst="can">
+            <a:avLst/>
+          </a:prstGeom>
+        </p:spPr>
+        <p:style>
+          <a:lnRef idx="2">
+            <a:schemeClr val="accent1">
+              <a:shade val="50000"/>
+            </a:schemeClr>
+          </a:lnRef>
+          <a:fillRef idx="1">
+            <a:schemeClr val="accent1"/>
+          </a:fillRef>
+          <a:effectRef idx="0">
+            <a:schemeClr val="accent1"/>
+          </a:effectRef>
+          <a:fontRef idx="minor">
+            <a:schemeClr val="lt1"/>
+          </a:fontRef>
+        </p:style>
+        <p:txBody>
+          <a:bodyPr rtlCol="0" anchor="ctr"/>
+          <a:lstStyle/>
+          <a:p>
+            <a:pPr algn="ctr"/>
+            <a:r>
+              <a:rPr lang="en-DE" dirty="0"/>
+              <a:t>data</a:t>
+            </a:r>
+          </a:p>
+        </p:txBody>
+      </p:sp>
+      <p:sp>
+        <p:nvSpPr>
+          <p:cNvPr id="13" name="Rectangle 12">
+            <a:extLst>
+              <a:ext uri="{FF2B5EF4-FFF2-40B4-BE49-F238E27FC236}">
+                <a16:creationId xmlns:a16="http://schemas.microsoft.com/office/drawing/2014/main" id="{B55D224F-E458-F146-96B4-9935B7673130}"/>
+              </a:ext>
+            </a:extLst>
+          </p:cNvPr>
+          <p:cNvSpPr/>
+          <p:nvPr/>
+        </p:nvSpPr>
+        <p:spPr>
+          <a:xfrm>
+            <a:off x="7869360" y="623168"/>
+            <a:ext cx="2261937" cy="622800"/>
+          </a:xfrm>
+          <a:prstGeom prst="rect">
+            <a:avLst/>
+          </a:prstGeom>
+          <a:solidFill>
+            <a:schemeClr val="accent6">
+              <a:lumMod val="60000"/>
+              <a:lumOff val="40000"/>
+            </a:schemeClr>
+          </a:solidFill>
+        </p:spPr>
+        <p:style>
+          <a:lnRef idx="2">
+            <a:schemeClr val="accent1">
+              <a:shade val="50000"/>
+            </a:schemeClr>
+          </a:lnRef>
+          <a:fillRef idx="1">
+            <a:schemeClr val="accent1"/>
+          </a:fillRef>
+          <a:effectRef idx="0">
+            <a:schemeClr val="accent1"/>
+          </a:effectRef>
+          <a:fontRef idx="minor">
+            <a:schemeClr val="lt1"/>
+          </a:fontRef>
+        </p:style>
+        <p:txBody>
+          <a:bodyPr rtlCol="0" anchor="ctr"/>
+          <a:lstStyle/>
+          <a:p>
+            <a:pPr algn="ctr"/>
+            <a:r>
+              <a:rPr lang="en-DE" dirty="0"/>
+              <a:t>Model</a:t>
+            </a:r>
+          </a:p>
+        </p:txBody>
+      </p:sp>
+      <p:sp>
+        <p:nvSpPr>
+          <p:cNvPr id="14" name="Oval 13">
+            <a:extLst>
+              <a:ext uri="{FF2B5EF4-FFF2-40B4-BE49-F238E27FC236}">
+                <a16:creationId xmlns:a16="http://schemas.microsoft.com/office/drawing/2014/main" id="{7D456B2C-B16B-4349-B9B9-2A82922DA964}"/>
+              </a:ext>
+            </a:extLst>
+          </p:cNvPr>
+          <p:cNvSpPr/>
+          <p:nvPr/>
+        </p:nvSpPr>
+        <p:spPr>
+          <a:xfrm>
+            <a:off x="15524048" y="8724900"/>
+            <a:ext cx="1543720" cy="750128"/>
+          </a:xfrm>
+          <a:prstGeom prst="ellipse">
+            <a:avLst/>
+          </a:prstGeom>
+          <a:solidFill>
+            <a:schemeClr val="bg1">
+              <a:lumMod val="65000"/>
+            </a:schemeClr>
+          </a:solidFill>
+        </p:spPr>
+        <p:style>
+          <a:lnRef idx="2">
+            <a:schemeClr val="accent1">
+              <a:shade val="50000"/>
+            </a:schemeClr>
+          </a:lnRef>
+          <a:fillRef idx="1">
+            <a:schemeClr val="accent1"/>
+          </a:fillRef>
+          <a:effectRef idx="0">
+            <a:schemeClr val="accent1"/>
+          </a:effectRef>
+          <a:fontRef idx="minor">
+            <a:schemeClr val="lt1"/>
+          </a:fontRef>
+        </p:style>
+        <p:txBody>
+          <a:bodyPr rtlCol="0" anchor="ctr"/>
+          <a:lstStyle/>
+          <a:p>
+            <a:pPr algn="ctr"/>
+            <a:r>
+              <a:rPr lang="en-DE" dirty="0"/>
+              <a:t>Stats</a:t>
+            </a:r>
+          </a:p>
+        </p:txBody>
+      </p:sp>
+      <p:sp>
+        <p:nvSpPr>
+          <p:cNvPr id="15" name="Oval 14">
+            <a:extLst>
+              <a:ext uri="{FF2B5EF4-FFF2-40B4-BE49-F238E27FC236}">
+                <a16:creationId xmlns:a16="http://schemas.microsoft.com/office/drawing/2014/main" id="{8873F3ED-68CC-D449-9409-79C000205891}"/>
+              </a:ext>
+            </a:extLst>
+          </p:cNvPr>
+          <p:cNvSpPr/>
+          <p:nvPr/>
+        </p:nvSpPr>
+        <p:spPr>
+          <a:xfrm>
+            <a:off x="8225277" y="4961153"/>
+            <a:ext cx="1543720" cy="750128"/>
+          </a:xfrm>
+          <a:prstGeom prst="ellipse">
+            <a:avLst/>
+          </a:prstGeom>
+          <a:solidFill>
+            <a:schemeClr val="accent1">
+              <a:lumMod val="40000"/>
+              <a:lumOff val="60000"/>
+            </a:schemeClr>
+          </a:solidFill>
+        </p:spPr>
+        <p:style>
+          <a:lnRef idx="2">
+            <a:schemeClr val="accent1">
+              <a:shade val="50000"/>
+            </a:schemeClr>
+          </a:lnRef>
+          <a:fillRef idx="1">
+            <a:schemeClr val="accent1"/>
+          </a:fillRef>
+          <a:effectRef idx="0">
+            <a:schemeClr val="accent1"/>
+          </a:effectRef>
+          <a:fontRef idx="minor">
+            <a:schemeClr val="lt1"/>
+          </a:fontRef>
+        </p:style>
+        <p:txBody>
+          <a:bodyPr rtlCol="0" anchor="ctr"/>
+          <a:lstStyle/>
+          <a:p>
+            <a:pPr algn="ctr"/>
+            <a:r>
+              <a:rPr lang="en-DE" dirty="0"/>
+              <a:t>Reward</a:t>
+            </a:r>
+          </a:p>
+        </p:txBody>
+      </p:sp>
+      <p:sp>
+        <p:nvSpPr>
+          <p:cNvPr id="17" name="Oval 16">
+            <a:extLst>
+              <a:ext uri="{FF2B5EF4-FFF2-40B4-BE49-F238E27FC236}">
+                <a16:creationId xmlns:a16="http://schemas.microsoft.com/office/drawing/2014/main" id="{F115469B-B048-A24C-8D08-60308E0EAC19}"/>
+              </a:ext>
+            </a:extLst>
+          </p:cNvPr>
+          <p:cNvSpPr/>
+          <p:nvPr/>
+        </p:nvSpPr>
+        <p:spPr>
+          <a:xfrm>
+            <a:off x="6260621" y="6680611"/>
+            <a:ext cx="1899637" cy="750128"/>
+          </a:xfrm>
+          <a:prstGeom prst="ellipse">
+            <a:avLst/>
+          </a:prstGeom>
+          <a:solidFill>
+            <a:schemeClr val="accent1">
+              <a:lumMod val="40000"/>
+              <a:lumOff val="60000"/>
+            </a:schemeClr>
+          </a:solidFill>
+        </p:spPr>
+        <p:style>
+          <a:lnRef idx="2">
+            <a:schemeClr val="accent1">
+              <a:shade val="50000"/>
+            </a:schemeClr>
+          </a:lnRef>
+          <a:fillRef idx="1">
+            <a:schemeClr val="accent1"/>
+          </a:fillRef>
+          <a:effectRef idx="0">
+            <a:schemeClr val="accent1"/>
+          </a:effectRef>
+          <a:fontRef idx="minor">
+            <a:schemeClr val="lt1"/>
+          </a:fontRef>
+        </p:style>
+        <p:txBody>
+          <a:bodyPr rtlCol="0" anchor="ctr"/>
+          <a:lstStyle/>
+          <a:p>
+            <a:pPr algn="ctr"/>
+            <a:r>
+              <a:rPr lang="en-DE" dirty="0"/>
+              <a:t>MarketCtx</a:t>
+            </a:r>
+          </a:p>
+        </p:txBody>
+      </p:sp>
+      <p:sp>
+        <p:nvSpPr>
+          <p:cNvPr id="18" name="Oval 17">
+            <a:extLst>
+              <a:ext uri="{FF2B5EF4-FFF2-40B4-BE49-F238E27FC236}">
+                <a16:creationId xmlns:a16="http://schemas.microsoft.com/office/drawing/2014/main" id="{F4D2FC9F-45DF-EE43-B3BB-B8D33750591F}"/>
+              </a:ext>
+            </a:extLst>
+          </p:cNvPr>
+          <p:cNvSpPr/>
+          <p:nvPr/>
+        </p:nvSpPr>
+        <p:spPr>
+          <a:xfrm>
+            <a:off x="9834016" y="6680611"/>
+            <a:ext cx="1899637" cy="750128"/>
+          </a:xfrm>
+          <a:prstGeom prst="ellipse">
+            <a:avLst/>
+          </a:prstGeom>
+          <a:solidFill>
+            <a:schemeClr val="accent1">
+              <a:lumMod val="40000"/>
+              <a:lumOff val="60000"/>
+            </a:schemeClr>
+          </a:solidFill>
+        </p:spPr>
+        <p:style>
+          <a:lnRef idx="2">
+            <a:schemeClr val="accent1">
+              <a:shade val="50000"/>
+            </a:schemeClr>
+          </a:lnRef>
+          <a:fillRef idx="1">
+            <a:schemeClr val="accent1"/>
+          </a:fillRef>
+          <a:effectRef idx="0">
+            <a:schemeClr val="accent1"/>
+          </a:effectRef>
+          <a:fontRef idx="minor">
+            <a:schemeClr val="lt1"/>
+          </a:fontRef>
+        </p:style>
+        <p:txBody>
+          <a:bodyPr rtlCol="0" anchor="ctr"/>
+          <a:lstStyle/>
+          <a:p>
+            <a:pPr algn="ctr"/>
+            <a:r>
+              <a:rPr lang="en-DE" dirty="0"/>
+              <a:t>AgentCtx</a:t>
+            </a:r>
+          </a:p>
+        </p:txBody>
+      </p:sp>
+      <p:cxnSp>
+        <p:nvCxnSpPr>
+          <p:cNvPr id="20" name="Elbow Connector 19" descr="action">
+            <a:extLst>
+              <a:ext uri="{FF2B5EF4-FFF2-40B4-BE49-F238E27FC236}">
+                <a16:creationId xmlns:a16="http://schemas.microsoft.com/office/drawing/2014/main" id="{C6F50E6B-9639-BE4D-BB51-65A49CC151C4}"/>
+              </a:ext>
+            </a:extLst>
+          </p:cNvPr>
+          <p:cNvCxnSpPr>
+            <a:cxnSpLocks/>
+          </p:cNvCxnSpPr>
+          <p:nvPr/>
+        </p:nvCxnSpPr>
+        <p:spPr>
+          <a:xfrm>
+            <a:off x="10131298" y="2306902"/>
+            <a:ext cx="2733323" cy="2469585"/>
+          </a:xfrm>
+          <a:prstGeom prst="bentConnector2">
+            <a:avLst/>
+          </a:prstGeom>
+          <a:ln>
+            <a:tailEnd type="triangle"/>
+          </a:ln>
+        </p:spPr>
+        <p:style>
+          <a:lnRef idx="3">
+            <a:schemeClr val="accent1"/>
+          </a:lnRef>
+          <a:fillRef idx="0">
+            <a:schemeClr val="accent1"/>
+          </a:fillRef>
+          <a:effectRef idx="2">
+            <a:schemeClr val="accent1"/>
+          </a:effectRef>
+          <a:fontRef idx="minor">
+            <a:schemeClr val="tx1"/>
+          </a:fontRef>
+        </p:style>
+      </p:cxnSp>
+      <p:cxnSp>
+        <p:nvCxnSpPr>
+          <p:cNvPr id="29" name="Elbow Connector 28">
+            <a:extLst>
+              <a:ext uri="{FF2B5EF4-FFF2-40B4-BE49-F238E27FC236}">
+                <a16:creationId xmlns:a16="http://schemas.microsoft.com/office/drawing/2014/main" id="{E9B8992C-EFD1-734F-89BC-374F167A04F5}"/>
+              </a:ext>
+            </a:extLst>
+          </p:cNvPr>
+          <p:cNvCxnSpPr>
+            <a:cxnSpLocks/>
+          </p:cNvCxnSpPr>
+          <p:nvPr/>
+        </p:nvCxnSpPr>
+        <p:spPr>
+          <a:xfrm rot="16200000" flipH="1">
+            <a:off x="10740186" y="3913055"/>
+            <a:ext cx="12700" cy="11233767"/>
+          </a:xfrm>
+          <a:prstGeom prst="bentConnector3">
+            <a:avLst>
+              <a:gd name="adj1" fmla="val 6437283"/>
+            </a:avLst>
+          </a:prstGeom>
+          <a:ln>
+            <a:prstDash val="dash"/>
+            <a:tailEnd type="triangle"/>
+          </a:ln>
+        </p:spPr>
+        <p:style>
+          <a:lnRef idx="3">
+            <a:schemeClr val="dk1"/>
+          </a:lnRef>
+          <a:fillRef idx="0">
+            <a:schemeClr val="dk1"/>
+          </a:fillRef>
+          <a:effectRef idx="2">
+            <a:schemeClr val="dk1"/>
+          </a:effectRef>
+          <a:fontRef idx="minor">
+            <a:schemeClr val="tx1"/>
+          </a:fontRef>
+        </p:style>
+      </p:cxnSp>
+      <p:cxnSp>
+        <p:nvCxnSpPr>
+          <p:cNvPr id="38" name="Straight Arrow Connector 37">
+            <a:extLst>
+              <a:ext uri="{FF2B5EF4-FFF2-40B4-BE49-F238E27FC236}">
+                <a16:creationId xmlns:a16="http://schemas.microsoft.com/office/drawing/2014/main" id="{3C28993C-3F37-5A41-94DB-80E5B282876E}"/>
+              </a:ext>
+            </a:extLst>
+          </p:cNvPr>
+          <p:cNvCxnSpPr>
+            <a:stCxn id="6" idx="2"/>
+          </p:cNvCxnSpPr>
+          <p:nvPr/>
+        </p:nvCxnSpPr>
+        <p:spPr>
+          <a:xfrm flipH="1">
+            <a:off x="8997137" y="9426467"/>
+            <a:ext cx="3193" cy="941899"/>
+          </a:xfrm>
+          <a:prstGeom prst="straightConnector1">
+            <a:avLst/>
+          </a:prstGeom>
+          <a:ln>
+            <a:prstDash val="dash"/>
+            <a:tailEnd type="triangle"/>
+          </a:ln>
+        </p:spPr>
+        <p:style>
+          <a:lnRef idx="3">
+            <a:schemeClr val="dk1"/>
+          </a:lnRef>
+          <a:fillRef idx="0">
+            <a:schemeClr val="dk1"/>
+          </a:fillRef>
+          <a:effectRef idx="2">
+            <a:schemeClr val="dk1"/>
+          </a:effectRef>
+          <a:fontRef idx="minor">
+            <a:schemeClr val="tx1"/>
+          </a:fontRef>
+        </p:style>
+      </p:cxnSp>
+      <p:cxnSp>
+        <p:nvCxnSpPr>
+          <p:cNvPr id="42" name="Straight Arrow Connector 41">
+            <a:extLst>
+              <a:ext uri="{FF2B5EF4-FFF2-40B4-BE49-F238E27FC236}">
+                <a16:creationId xmlns:a16="http://schemas.microsoft.com/office/drawing/2014/main" id="{56B37E32-DC8C-4D4C-BBE2-C275CBE08446}"/>
+              </a:ext>
+            </a:extLst>
+          </p:cNvPr>
+          <p:cNvCxnSpPr>
+            <a:stCxn id="7" idx="2"/>
+          </p:cNvCxnSpPr>
+          <p:nvPr/>
+        </p:nvCxnSpPr>
+        <p:spPr>
+          <a:xfrm flipH="1">
+            <a:off x="12864621" y="9426467"/>
+            <a:ext cx="1" cy="941899"/>
+          </a:xfrm>
+          <a:prstGeom prst="straightConnector1">
+            <a:avLst/>
+          </a:prstGeom>
+          <a:ln>
+            <a:prstDash val="dash"/>
+            <a:tailEnd type="triangle"/>
+          </a:ln>
+        </p:spPr>
+        <p:style>
+          <a:lnRef idx="3">
+            <a:schemeClr val="dk1"/>
+          </a:lnRef>
+          <a:fillRef idx="0">
+            <a:schemeClr val="dk1"/>
+          </a:fillRef>
+          <a:effectRef idx="2">
+            <a:schemeClr val="dk1"/>
+          </a:effectRef>
+          <a:fontRef idx="minor">
+            <a:schemeClr val="tx1"/>
+          </a:fontRef>
+        </p:style>
+      </p:cxnSp>
+      <p:cxnSp>
+        <p:nvCxnSpPr>
+          <p:cNvPr id="46" name="Elbow Connector 45">
+            <a:extLst>
+              <a:ext uri="{FF2B5EF4-FFF2-40B4-BE49-F238E27FC236}">
+                <a16:creationId xmlns:a16="http://schemas.microsoft.com/office/drawing/2014/main" id="{2EAFDE8B-046F-3643-B05E-9304787768DC}"/>
+              </a:ext>
+            </a:extLst>
+          </p:cNvPr>
+          <p:cNvCxnSpPr>
+            <a:cxnSpLocks/>
+          </p:cNvCxnSpPr>
+          <p:nvPr/>
+        </p:nvCxnSpPr>
+        <p:spPr>
+          <a:xfrm rot="5400000">
+            <a:off x="7114177" y="3275428"/>
+            <a:ext cx="3403786" cy="7728584"/>
+          </a:xfrm>
+          <a:prstGeom prst="bentConnector3">
+            <a:avLst>
+              <a:gd name="adj1" fmla="val 78685"/>
+            </a:avLst>
+          </a:prstGeom>
+          <a:ln>
+            <a:tailEnd type="triangle"/>
+          </a:ln>
+        </p:spPr>
+        <p:style>
+          <a:lnRef idx="3">
+            <a:schemeClr val="accent2"/>
+          </a:lnRef>
+          <a:fillRef idx="0">
+            <a:schemeClr val="accent2"/>
+          </a:fillRef>
+          <a:effectRef idx="2">
+            <a:schemeClr val="accent2"/>
+          </a:effectRef>
+          <a:fontRef idx="minor">
+            <a:schemeClr val="tx1"/>
+          </a:fontRef>
+        </p:style>
+      </p:cxnSp>
+      <p:cxnSp>
+        <p:nvCxnSpPr>
+          <p:cNvPr id="49" name="Elbow Connector 48">
+            <a:extLst>
+              <a:ext uri="{FF2B5EF4-FFF2-40B4-BE49-F238E27FC236}">
+                <a16:creationId xmlns:a16="http://schemas.microsoft.com/office/drawing/2014/main" id="{8403F954-AD84-B845-924F-1694C44D04BB}"/>
+              </a:ext>
+            </a:extLst>
+          </p:cNvPr>
+          <p:cNvCxnSpPr>
+            <a:stCxn id="8" idx="0"/>
+            <a:endCxn id="18" idx="4"/>
+          </p:cNvCxnSpPr>
+          <p:nvPr/>
+        </p:nvCxnSpPr>
+        <p:spPr>
+          <a:xfrm rot="5400000" flipH="1" flipV="1">
+            <a:off x="7273472" y="5293305"/>
+            <a:ext cx="1372928" cy="5647797"/>
+          </a:xfrm>
+          <a:prstGeom prst="bentConnector3">
+            <a:avLst>
+              <a:gd name="adj1" fmla="val 26294"/>
+            </a:avLst>
+          </a:prstGeom>
+          <a:ln>
+            <a:tailEnd type="triangle"/>
+          </a:ln>
+        </p:spPr>
+        <p:style>
+          <a:lnRef idx="3">
+            <a:schemeClr val="accent1"/>
+          </a:lnRef>
+          <a:fillRef idx="0">
+            <a:schemeClr val="accent1"/>
+          </a:fillRef>
+          <a:effectRef idx="2">
+            <a:schemeClr val="accent1"/>
+          </a:effectRef>
+          <a:fontRef idx="minor">
+            <a:schemeClr val="tx1"/>
+          </a:fontRef>
+        </p:style>
+      </p:cxnSp>
+      <p:cxnSp>
+        <p:nvCxnSpPr>
+          <p:cNvPr id="54" name="Elbow Connector 53">
+            <a:extLst>
+              <a:ext uri="{FF2B5EF4-FFF2-40B4-BE49-F238E27FC236}">
+                <a16:creationId xmlns:a16="http://schemas.microsoft.com/office/drawing/2014/main" id="{71E65126-58F8-4A42-BEC4-53051FA757FB}"/>
+              </a:ext>
+            </a:extLst>
+          </p:cNvPr>
+          <p:cNvCxnSpPr>
+            <a:stCxn id="7" idx="0"/>
+          </p:cNvCxnSpPr>
+          <p:nvPr/>
+        </p:nvCxnSpPr>
+        <p:spPr>
+          <a:xfrm rot="16200000" flipV="1">
+            <a:off x="11645683" y="7584728"/>
+            <a:ext cx="357091" cy="2080788"/>
+          </a:xfrm>
+          <a:prstGeom prst="bentConnector2">
+            <a:avLst/>
+          </a:prstGeom>
+        </p:spPr>
+        <p:style>
+          <a:lnRef idx="3">
+            <a:schemeClr val="accent1"/>
+          </a:lnRef>
+          <a:fillRef idx="0">
+            <a:schemeClr val="accent1"/>
+          </a:fillRef>
+          <a:effectRef idx="2">
+            <a:schemeClr val="accent1"/>
+          </a:effectRef>
+          <a:fontRef idx="minor">
+            <a:schemeClr val="tx1"/>
+          </a:fontRef>
+        </p:style>
+      </p:cxnSp>
+      <p:cxnSp>
+        <p:nvCxnSpPr>
+          <p:cNvPr id="56" name="Straight Connector 55">
+            <a:extLst>
+              <a:ext uri="{FF2B5EF4-FFF2-40B4-BE49-F238E27FC236}">
+                <a16:creationId xmlns:a16="http://schemas.microsoft.com/office/drawing/2014/main" id="{D0314838-F5D0-0243-939F-B8CC46F90014}"/>
+              </a:ext>
+            </a:extLst>
+          </p:cNvPr>
+          <p:cNvCxnSpPr>
+            <a:stCxn id="6" idx="0"/>
+          </p:cNvCxnSpPr>
+          <p:nvPr/>
+        </p:nvCxnSpPr>
+        <p:spPr>
+          <a:xfrm flipH="1" flipV="1">
+            <a:off x="8997137" y="8446576"/>
+            <a:ext cx="3193" cy="357091"/>
+          </a:xfrm>
+          <a:prstGeom prst="line">
+            <a:avLst/>
+          </a:prstGeom>
+        </p:spPr>
+        <p:style>
+          <a:lnRef idx="3">
+            <a:schemeClr val="accent1"/>
+          </a:lnRef>
+          <a:fillRef idx="0">
+            <a:schemeClr val="accent1"/>
+          </a:fillRef>
+          <a:effectRef idx="2">
+            <a:schemeClr val="accent1"/>
+          </a:effectRef>
+          <a:fontRef idx="minor">
+            <a:schemeClr val="tx1"/>
+          </a:fontRef>
+        </p:style>
+      </p:cxnSp>
+      <p:cxnSp>
+        <p:nvCxnSpPr>
+          <p:cNvPr id="58" name="Straight Arrow Connector 57">
+            <a:extLst>
+              <a:ext uri="{FF2B5EF4-FFF2-40B4-BE49-F238E27FC236}">
+                <a16:creationId xmlns:a16="http://schemas.microsoft.com/office/drawing/2014/main" id="{B0C4D4A2-0192-2E4E-AA71-AD6A994975C2}"/>
+              </a:ext>
+            </a:extLst>
+          </p:cNvPr>
+          <p:cNvCxnSpPr/>
+          <p:nvPr/>
+        </p:nvCxnSpPr>
+        <p:spPr>
+          <a:xfrm flipV="1">
+            <a:off x="7210439" y="7430739"/>
+            <a:ext cx="0" cy="1015837"/>
+          </a:xfrm>
+          <a:prstGeom prst="straightConnector1">
+            <a:avLst/>
+          </a:prstGeom>
+          <a:ln>
+            <a:tailEnd type="triangle"/>
+          </a:ln>
+        </p:spPr>
+        <p:style>
+          <a:lnRef idx="3">
+            <a:schemeClr val="accent1"/>
+          </a:lnRef>
+          <a:fillRef idx="0">
+            <a:schemeClr val="accent1"/>
+          </a:fillRef>
+          <a:effectRef idx="2">
+            <a:schemeClr val="accent1"/>
+          </a:effectRef>
+          <a:fontRef idx="minor">
+            <a:schemeClr val="tx1"/>
+          </a:fontRef>
+        </p:style>
+      </p:cxnSp>
+      <p:cxnSp>
+        <p:nvCxnSpPr>
+          <p:cNvPr id="61" name="Elbow Connector 60">
+            <a:extLst>
+              <a:ext uri="{FF2B5EF4-FFF2-40B4-BE49-F238E27FC236}">
+                <a16:creationId xmlns:a16="http://schemas.microsoft.com/office/drawing/2014/main" id="{B8908348-C1A3-9741-BFF4-AE8CCEB0D551}"/>
+              </a:ext>
+            </a:extLst>
+          </p:cNvPr>
+          <p:cNvCxnSpPr>
+            <a:stCxn id="18" idx="0"/>
+            <a:endCxn id="9" idx="2"/>
+          </p:cNvCxnSpPr>
+          <p:nvPr/>
+        </p:nvCxnSpPr>
+        <p:spPr>
+          <a:xfrm rot="16200000" flipV="1">
+            <a:off x="7472079" y="3368855"/>
+            <a:ext cx="969330" cy="5654182"/>
+          </a:xfrm>
+          <a:prstGeom prst="bentConnector3">
+            <a:avLst/>
+          </a:prstGeom>
+          <a:ln>
+            <a:tailEnd type="triangle"/>
+          </a:ln>
+        </p:spPr>
+        <p:style>
+          <a:lnRef idx="3">
+            <a:schemeClr val="accent1"/>
+          </a:lnRef>
+          <a:fillRef idx="0">
+            <a:schemeClr val="accent1"/>
+          </a:fillRef>
+          <a:effectRef idx="2">
+            <a:schemeClr val="accent1"/>
+          </a:effectRef>
+          <a:fontRef idx="minor">
+            <a:schemeClr val="tx1"/>
+          </a:fontRef>
+        </p:style>
+      </p:cxnSp>
+      <p:cxnSp>
+        <p:nvCxnSpPr>
+          <p:cNvPr id="63" name="Straight Connector 62">
+            <a:extLst>
+              <a:ext uri="{FF2B5EF4-FFF2-40B4-BE49-F238E27FC236}">
+                <a16:creationId xmlns:a16="http://schemas.microsoft.com/office/drawing/2014/main" id="{C802F173-8072-E14D-87AE-577B583D0FFF}"/>
+              </a:ext>
+            </a:extLst>
+          </p:cNvPr>
+          <p:cNvCxnSpPr>
+            <a:stCxn id="17" idx="0"/>
+          </p:cNvCxnSpPr>
+          <p:nvPr/>
+        </p:nvCxnSpPr>
+        <p:spPr>
+          <a:xfrm flipH="1" flipV="1">
+            <a:off x="7210439" y="6195945"/>
+            <a:ext cx="1" cy="484666"/>
+          </a:xfrm>
+          <a:prstGeom prst="line">
+            <a:avLst/>
+          </a:prstGeom>
+        </p:spPr>
+        <p:style>
+          <a:lnRef idx="3">
+            <a:schemeClr val="accent1"/>
+          </a:lnRef>
+          <a:fillRef idx="0">
+            <a:schemeClr val="accent1"/>
+          </a:fillRef>
+          <a:effectRef idx="2">
+            <a:schemeClr val="accent1"/>
+          </a:effectRef>
+          <a:fontRef idx="minor">
+            <a:schemeClr val="tx1"/>
+          </a:fontRef>
+        </p:style>
+      </p:cxnSp>
+      <p:cxnSp>
+        <p:nvCxnSpPr>
+          <p:cNvPr id="65" name="Straight Arrow Connector 64">
+            <a:extLst>
+              <a:ext uri="{FF2B5EF4-FFF2-40B4-BE49-F238E27FC236}">
+                <a16:creationId xmlns:a16="http://schemas.microsoft.com/office/drawing/2014/main" id="{E372E6FC-8E63-4641-9BA7-F3568C27E6A8}"/>
+              </a:ext>
+            </a:extLst>
+          </p:cNvPr>
+          <p:cNvCxnSpPr>
+            <a:endCxn id="15" idx="4"/>
+          </p:cNvCxnSpPr>
+          <p:nvPr/>
+        </p:nvCxnSpPr>
+        <p:spPr>
+          <a:xfrm flipV="1">
+            <a:off x="8997137" y="5711281"/>
+            <a:ext cx="0" cy="484664"/>
+          </a:xfrm>
+          <a:prstGeom prst="straightConnector1">
+            <a:avLst/>
+          </a:prstGeom>
+          <a:ln>
+            <a:tailEnd type="triangle"/>
+          </a:ln>
+        </p:spPr>
+        <p:style>
+          <a:lnRef idx="3">
+            <a:schemeClr val="accent1"/>
+          </a:lnRef>
+          <a:fillRef idx="0">
+            <a:schemeClr val="accent1"/>
+          </a:fillRef>
+          <a:effectRef idx="2">
+            <a:schemeClr val="accent1"/>
+          </a:effectRef>
+          <a:fontRef idx="minor">
+            <a:schemeClr val="tx1"/>
+          </a:fontRef>
+        </p:style>
+      </p:cxnSp>
+      <p:cxnSp>
+        <p:nvCxnSpPr>
+          <p:cNvPr id="71" name="Elbow Connector 70">
+            <a:extLst>
+              <a:ext uri="{FF2B5EF4-FFF2-40B4-BE49-F238E27FC236}">
+                <a16:creationId xmlns:a16="http://schemas.microsoft.com/office/drawing/2014/main" id="{0DD475F1-CE21-8140-B721-76A15850F9BC}"/>
+              </a:ext>
+            </a:extLst>
+          </p:cNvPr>
+          <p:cNvCxnSpPr>
+            <a:stCxn id="9" idx="0"/>
+            <a:endCxn id="4" idx="1"/>
+          </p:cNvCxnSpPr>
+          <p:nvPr/>
+        </p:nvCxnSpPr>
+        <p:spPr>
+          <a:xfrm rot="5400000" flipH="1" flipV="1">
+            <a:off x="5109015" y="2328135"/>
+            <a:ext cx="2780985" cy="2739709"/>
+          </a:xfrm>
+          <a:prstGeom prst="bentConnector2">
+            <a:avLst/>
+          </a:prstGeom>
+          <a:ln>
+            <a:tailEnd type="triangle"/>
+          </a:ln>
+        </p:spPr>
+        <p:style>
+          <a:lnRef idx="3">
+            <a:schemeClr val="accent1"/>
+          </a:lnRef>
+          <a:fillRef idx="0">
+            <a:schemeClr val="accent1"/>
+          </a:fillRef>
+          <a:effectRef idx="2">
+            <a:schemeClr val="accent1"/>
+          </a:effectRef>
+          <a:fontRef idx="minor">
+            <a:schemeClr val="tx1"/>
+          </a:fontRef>
+        </p:style>
+      </p:cxnSp>
+      <p:cxnSp>
+        <p:nvCxnSpPr>
+          <p:cNvPr id="81" name="Straight Arrow Connector 80">
+            <a:extLst>
+              <a:ext uri="{FF2B5EF4-FFF2-40B4-BE49-F238E27FC236}">
+                <a16:creationId xmlns:a16="http://schemas.microsoft.com/office/drawing/2014/main" id="{A9BA934F-B2F2-3C47-889C-4ADFF6DD4B40}"/>
+              </a:ext>
+            </a:extLst>
+          </p:cNvPr>
+          <p:cNvCxnSpPr>
+            <a:stCxn id="15" idx="0"/>
+            <a:endCxn id="4" idx="2"/>
+          </p:cNvCxnSpPr>
+          <p:nvPr/>
+        </p:nvCxnSpPr>
+        <p:spPr>
+          <a:xfrm flipV="1">
+            <a:off x="8997137" y="2618896"/>
+            <a:ext cx="3194" cy="2342257"/>
+          </a:xfrm>
+          <a:prstGeom prst="straightConnector1">
+            <a:avLst/>
+          </a:prstGeom>
+          <a:ln>
+            <a:tailEnd type="triangle"/>
+          </a:ln>
+        </p:spPr>
+        <p:style>
+          <a:lnRef idx="3">
+            <a:schemeClr val="accent1"/>
+          </a:lnRef>
+          <a:fillRef idx="0">
+            <a:schemeClr val="accent1"/>
+          </a:fillRef>
+          <a:effectRef idx="2">
+            <a:schemeClr val="accent1"/>
+          </a:effectRef>
+          <a:fontRef idx="minor">
+            <a:schemeClr val="tx1"/>
+          </a:fontRef>
+        </p:style>
+      </p:cxnSp>
+      <p:cxnSp>
+        <p:nvCxnSpPr>
+          <p:cNvPr id="93" name="Elbow Connector 92">
+            <a:extLst>
+              <a:ext uri="{FF2B5EF4-FFF2-40B4-BE49-F238E27FC236}">
+                <a16:creationId xmlns:a16="http://schemas.microsoft.com/office/drawing/2014/main" id="{5404972D-B51B-934B-ABE4-1F2C14B81FB6}"/>
+              </a:ext>
+            </a:extLst>
+          </p:cNvPr>
+          <p:cNvCxnSpPr/>
+          <p:nvPr/>
+        </p:nvCxnSpPr>
+        <p:spPr>
+          <a:xfrm rot="16200000" flipH="1">
+            <a:off x="5459040" y="5909120"/>
+            <a:ext cx="3092387" cy="2696705"/>
+          </a:xfrm>
+          <a:prstGeom prst="bentConnector3">
+            <a:avLst>
+              <a:gd name="adj1" fmla="val 67541"/>
+            </a:avLst>
+          </a:prstGeom>
+          <a:ln>
+            <a:tailEnd type="triangle"/>
+          </a:ln>
+        </p:spPr>
+        <p:style>
+          <a:lnRef idx="3">
+            <a:schemeClr val="accent2"/>
+          </a:lnRef>
+          <a:fillRef idx="0">
+            <a:schemeClr val="accent2"/>
+          </a:fillRef>
+          <a:effectRef idx="2">
+            <a:schemeClr val="accent2"/>
+          </a:effectRef>
+          <a:fontRef idx="minor">
+            <a:schemeClr val="tx1"/>
+          </a:fontRef>
+        </p:style>
+      </p:cxnSp>
+      <p:cxnSp>
+        <p:nvCxnSpPr>
+          <p:cNvPr id="96" name="Straight Arrow Connector 95">
+            <a:extLst>
+              <a:ext uri="{FF2B5EF4-FFF2-40B4-BE49-F238E27FC236}">
+                <a16:creationId xmlns:a16="http://schemas.microsoft.com/office/drawing/2014/main" id="{E44F8F23-8AB8-B447-9D75-DE50153D4E0E}"/>
+              </a:ext>
+            </a:extLst>
+          </p:cNvPr>
+          <p:cNvCxnSpPr/>
+          <p:nvPr/>
+        </p:nvCxnSpPr>
+        <p:spPr>
+          <a:xfrm flipV="1">
+            <a:off x="8468751" y="1245968"/>
+            <a:ext cx="0" cy="750128"/>
+          </a:xfrm>
+          <a:prstGeom prst="straightConnector1">
+            <a:avLst/>
+          </a:prstGeom>
+          <a:ln>
+            <a:tailEnd type="triangle"/>
+          </a:ln>
+        </p:spPr>
+        <p:style>
+          <a:lnRef idx="3">
+            <a:schemeClr val="accent2"/>
+          </a:lnRef>
+          <a:fillRef idx="0">
+            <a:schemeClr val="accent2"/>
+          </a:fillRef>
+          <a:effectRef idx="2">
+            <a:schemeClr val="accent2"/>
+          </a:effectRef>
+          <a:fontRef idx="minor">
+            <a:schemeClr val="tx1"/>
+          </a:fontRef>
+        </p:style>
+      </p:cxnSp>
+      <p:cxnSp>
+        <p:nvCxnSpPr>
+          <p:cNvPr id="98" name="Straight Arrow Connector 97">
+            <a:extLst>
+              <a:ext uri="{FF2B5EF4-FFF2-40B4-BE49-F238E27FC236}">
+                <a16:creationId xmlns:a16="http://schemas.microsoft.com/office/drawing/2014/main" id="{70E16348-EA00-D746-8FD1-6EE75FA2202F}"/>
+              </a:ext>
+            </a:extLst>
+          </p:cNvPr>
+          <p:cNvCxnSpPr/>
+          <p:nvPr/>
+        </p:nvCxnSpPr>
+        <p:spPr>
+          <a:xfrm>
+            <a:off x="9566031" y="1245968"/>
+            <a:ext cx="0" cy="750128"/>
+          </a:xfrm>
+          <a:prstGeom prst="straightConnector1">
+            <a:avLst/>
+          </a:prstGeom>
+          <a:ln>
+            <a:tailEnd type="triangle"/>
+          </a:ln>
+        </p:spPr>
+        <p:style>
+          <a:lnRef idx="3">
+            <a:schemeClr val="accent2"/>
+          </a:lnRef>
+          <a:fillRef idx="0">
+            <a:schemeClr val="accent2"/>
+          </a:fillRef>
+          <a:effectRef idx="2">
+            <a:schemeClr val="accent2"/>
+          </a:effectRef>
+          <a:fontRef idx="minor">
+            <a:schemeClr val="tx1"/>
+          </a:fontRef>
+        </p:style>
+      </p:cxnSp>
+      <p:cxnSp>
+        <p:nvCxnSpPr>
+          <p:cNvPr id="100" name="Straight Arrow Connector 99">
+            <a:extLst>
+              <a:ext uri="{FF2B5EF4-FFF2-40B4-BE49-F238E27FC236}">
+                <a16:creationId xmlns:a16="http://schemas.microsoft.com/office/drawing/2014/main" id="{F26A19E7-1336-CF41-B964-E2A30778703F}"/>
+              </a:ext>
+            </a:extLst>
+          </p:cNvPr>
+          <p:cNvCxnSpPr>
+            <a:stCxn id="10" idx="3"/>
+            <a:endCxn id="9" idx="1"/>
+          </p:cNvCxnSpPr>
+          <p:nvPr/>
+        </p:nvCxnSpPr>
+        <p:spPr>
+          <a:xfrm>
+            <a:off x="3423320" y="5399881"/>
+            <a:ext cx="575364" cy="0"/>
+          </a:xfrm>
+          <a:prstGeom prst="straightConnector1">
+            <a:avLst/>
+          </a:prstGeom>
+          <a:ln>
+            <a:tailEnd type="triangle"/>
+          </a:ln>
+        </p:spPr>
+        <p:style>
+          <a:lnRef idx="1">
+            <a:schemeClr val="accent1"/>
+          </a:lnRef>
+          <a:fillRef idx="0">
+            <a:schemeClr val="accent1"/>
+          </a:fillRef>
+          <a:effectRef idx="0">
+            <a:schemeClr val="accent1"/>
+          </a:effectRef>
+          <a:fontRef idx="minor">
+            <a:schemeClr val="tx1"/>
+          </a:fontRef>
+        </p:style>
+      </p:cxnSp>
+      <p:cxnSp>
+        <p:nvCxnSpPr>
+          <p:cNvPr id="102" name="Straight Arrow Connector 101">
+            <a:extLst>
+              <a:ext uri="{FF2B5EF4-FFF2-40B4-BE49-F238E27FC236}">
+                <a16:creationId xmlns:a16="http://schemas.microsoft.com/office/drawing/2014/main" id="{22B20847-2A31-3B4A-82AA-5C445AFE43DA}"/>
+              </a:ext>
+            </a:extLst>
+          </p:cNvPr>
+          <p:cNvCxnSpPr>
+            <a:stCxn id="11" idx="4"/>
+            <a:endCxn id="10" idx="1"/>
+          </p:cNvCxnSpPr>
+          <p:nvPr/>
+        </p:nvCxnSpPr>
+        <p:spPr>
+          <a:xfrm>
+            <a:off x="1606984" y="5399881"/>
+            <a:ext cx="575364" cy="0"/>
+          </a:xfrm>
+          <a:prstGeom prst="straightConnector1">
+            <a:avLst/>
+          </a:prstGeom>
+          <a:ln>
+            <a:tailEnd type="triangle"/>
+          </a:ln>
+        </p:spPr>
+        <p:style>
+          <a:lnRef idx="1">
+            <a:schemeClr val="accent1"/>
+          </a:lnRef>
+          <a:fillRef idx="0">
+            <a:schemeClr val="accent1"/>
+          </a:fillRef>
+          <a:effectRef idx="0">
+            <a:schemeClr val="accent1"/>
+          </a:effectRef>
+          <a:fontRef idx="minor">
+            <a:schemeClr val="tx1"/>
+          </a:fontRef>
+        </p:style>
+      </p:cxnSp>
+      <p:cxnSp>
+        <p:nvCxnSpPr>
+          <p:cNvPr id="105" name="Elbow Connector 104">
+            <a:extLst>
+              <a:ext uri="{FF2B5EF4-FFF2-40B4-BE49-F238E27FC236}">
+                <a16:creationId xmlns:a16="http://schemas.microsoft.com/office/drawing/2014/main" id="{D29AF2C6-B38C-A04D-BB79-3FFD886F49C0}"/>
+              </a:ext>
+            </a:extLst>
+          </p:cNvPr>
+          <p:cNvCxnSpPr>
+            <a:cxnSpLocks/>
+          </p:cNvCxnSpPr>
+          <p:nvPr/>
+        </p:nvCxnSpPr>
+        <p:spPr>
+          <a:xfrm rot="5400000">
+            <a:off x="5488543" y="2661975"/>
+            <a:ext cx="2577890" cy="2183746"/>
+          </a:xfrm>
+          <a:prstGeom prst="bentConnector3">
+            <a:avLst>
+              <a:gd name="adj1" fmla="val 2191"/>
+            </a:avLst>
+          </a:prstGeom>
+          <a:ln>
+            <a:tailEnd type="triangle"/>
+          </a:ln>
+        </p:spPr>
+        <p:style>
+          <a:lnRef idx="3">
+            <a:schemeClr val="accent2"/>
+          </a:lnRef>
+          <a:fillRef idx="0">
+            <a:schemeClr val="accent2"/>
+          </a:fillRef>
+          <a:effectRef idx="2">
+            <a:schemeClr val="accent2"/>
+          </a:effectRef>
+          <a:fontRef idx="minor">
+            <a:schemeClr val="tx1"/>
+          </a:fontRef>
+        </p:style>
+      </p:cxnSp>
+      <p:sp>
+        <p:nvSpPr>
+          <p:cNvPr id="111" name="TextBox 110">
+            <a:extLst>
+              <a:ext uri="{FF2B5EF4-FFF2-40B4-BE49-F238E27FC236}">
+                <a16:creationId xmlns:a16="http://schemas.microsoft.com/office/drawing/2014/main" id="{E9541F4D-9ACC-2546-BBDF-2D273C17C55D}"/>
+              </a:ext>
+            </a:extLst>
+          </p:cNvPr>
+          <p:cNvSpPr txBox="1"/>
+          <p:nvPr/>
+        </p:nvSpPr>
+        <p:spPr>
+          <a:xfrm>
+            <a:off x="11003065" y="1958150"/>
+            <a:ext cx="1461175" cy="375064"/>
+          </a:xfrm>
+          <a:prstGeom prst="rect">
+            <a:avLst/>
+          </a:prstGeom>
+          <a:noFill/>
+        </p:spPr>
+        <p:txBody>
+          <a:bodyPr wrap="square" rtlCol="0">
+            <a:spAutoFit/>
+          </a:bodyPr>
+          <a:lstStyle/>
+          <a:p>
+            <a:r>
+              <a:rPr lang="en-DE" dirty="0"/>
+              <a:t>action</a:t>
+            </a:r>
+          </a:p>
+        </p:txBody>
+      </p:sp>
+      <p:sp>
+        <p:nvSpPr>
+          <p:cNvPr id="113" name="TextBox 112">
+            <a:extLst>
+              <a:ext uri="{FF2B5EF4-FFF2-40B4-BE49-F238E27FC236}">
+                <a16:creationId xmlns:a16="http://schemas.microsoft.com/office/drawing/2014/main" id="{396F6668-3DD6-724C-80BC-ECB79BD6EBFF}"/>
+              </a:ext>
+            </a:extLst>
+          </p:cNvPr>
+          <p:cNvSpPr txBox="1"/>
+          <p:nvPr/>
+        </p:nvSpPr>
+        <p:spPr>
+          <a:xfrm>
+            <a:off x="12633240" y="6423468"/>
+            <a:ext cx="2080789" cy="369332"/>
+          </a:xfrm>
+          <a:prstGeom prst="rect">
+            <a:avLst/>
+          </a:prstGeom>
+          <a:noFill/>
+        </p:spPr>
+        <p:txBody>
+          <a:bodyPr wrap="square" rtlCol="0">
+            <a:spAutoFit/>
+          </a:bodyPr>
+          <a:lstStyle/>
+          <a:p>
+            <a:r>
+              <a:rPr lang="en-GB" dirty="0"/>
+              <a:t>Submit/cancel order</a:t>
+            </a:r>
+            <a:endParaRPr lang="en-DE" dirty="0"/>
+          </a:p>
+        </p:txBody>
+      </p:sp>
+    </p:spTree>
+    <p:extLst>
+      <p:ext uri="{BB962C8B-B14F-4D97-AF65-F5344CB8AC3E}">
+        <p14:creationId xmlns:p14="http://schemas.microsoft.com/office/powerpoint/2010/main" val="790666327"/>
+      </p:ext>
+    </p:extLst>
+  </p:cSld>
+  <p:clrMapOvr>
+    <a:masterClrMapping/>
+  </p:clrMapOvr>
+</p:sld>
+</file>
+
 <file path=ppt/theme/theme1.xml><?xml version="1.0" encoding="utf-8"?>
 <a:theme xmlns:a="http://schemas.openxmlformats.org/drawingml/2006/main" name="Office Theme">
   <a:themeElements>
